--- a/capstone_presentation.pptx
+++ b/capstone_presentation.pptx
@@ -5,7 +5,7 @@
     <p:sldMasterId id="2147484017" r:id="rId1"/>
   </p:sldMasterIdLst>
   <p:notesMasterIdLst>
-    <p:notesMasterId r:id="rId11"/>
+    <p:notesMasterId r:id="rId12"/>
   </p:notesMasterIdLst>
   <p:sldIdLst>
     <p:sldId id="256" r:id="rId2"/>
@@ -17,6 +17,7 @@
     <p:sldId id="260" r:id="rId8"/>
     <p:sldId id="264" r:id="rId9"/>
     <p:sldId id="261" r:id="rId10"/>
+    <p:sldId id="265" r:id="rId11"/>
   </p:sldIdLst>
   <p:sldSz cx="9144000" cy="6858000" type="screen4x3"/>
   <p:notesSz cx="6858000" cy="9144000"/>
@@ -2430,7 +2431,7 @@
   <dgm:whole/>
   <dgm:extLst>
     <a:ext uri="http://schemas.microsoft.com/office/drawing/2008/diagram">
-      <dsp:dataModelExt xmlns:dsp="http://schemas.microsoft.com/office/drawing/2008/diagram" relId="rId6" minVer="http://schemas.openxmlformats.org/drawingml/2006/diagram"/>
+      <dsp:dataModelExt xmlns:dsp="http://schemas.microsoft.com/office/drawing/2008/diagram" relId="rId7" minVer="http://schemas.openxmlformats.org/drawingml/2006/diagram"/>
     </a:ext>
   </dgm:extLst>
 </dgm:dataModel>
@@ -2630,7 +2631,7 @@
                 <a:schemeClr val="tx1"/>
               </a:solidFill>
             </a:rPr>
-            <a:t>Take top 20% of tweets for user similarity</a:t>
+            <a:t>Find top 20% of tweets for each User 0 tweet</a:t>
           </a:r>
           <a:endParaRPr lang="en-US" sz="2800" dirty="0">
             <a:solidFill>
@@ -2750,6 +2751,13 @@
     <dgm:pt modelId="{9F873623-F8D8-DA44-BFA0-22ECD17D7ACB}" type="pres">
       <dgm:prSet presAssocID="{1DC2CECD-5EF2-C342-BD12-BAC1D68D6964}" presName="parentTextArrow" presStyleLbl="node1" presStyleIdx="1" presStyleCnt="5"/>
       <dgm:spPr/>
+      <dgm:t>
+        <a:bodyPr/>
+        <a:lstStyle/>
+        <a:p>
+          <a:endParaRPr lang="en-US"/>
+        </a:p>
+      </dgm:t>
     </dgm:pt>
     <dgm:pt modelId="{45391239-C7C7-9C42-85A1-CE2F301136D4}" type="pres">
       <dgm:prSet presAssocID="{275CA346-389B-8043-A5DF-AC626D67F391}" presName="sp" presStyleCnt="0"/>
@@ -4381,7 +4389,7 @@
                 <a:schemeClr val="tx1"/>
               </a:solidFill>
             </a:rPr>
-            <a:t>Take top 20% of tweets for user similarity</a:t>
+            <a:t>Find top 20% of tweets for each User 0 tweet</a:t>
           </a:r>
           <a:endParaRPr lang="en-US" sz="2800" kern="1200" dirty="0">
             <a:solidFill>
@@ -8011,6 +8019,30 @@
           <a:bodyPr/>
           <a:lstStyle/>
           <a:p>
+            <a:r>
+              <a:rPr lang="en-US" dirty="0" smtClean="0"/>
+              <a:t>Feedback: </a:t>
+            </a:r>
+          </a:p>
+          <a:p>
+            <a:r>
+              <a:rPr lang="en-US" dirty="0" smtClean="0"/>
+              <a:t>State motivation more clearly.</a:t>
+            </a:r>
+            <a:r>
+              <a:rPr lang="en-US" baseline="0" dirty="0" smtClean="0"/>
+              <a:t> Twitter is not serious – make your example serious</a:t>
+            </a:r>
+          </a:p>
+          <a:p>
+            <a:r>
+              <a:rPr lang="en-US" baseline="0" dirty="0" smtClean="0"/>
+              <a:t>Speak a little less on </a:t>
+            </a:r>
+            <a:r>
+              <a:rPr lang="en-US" baseline="0" smtClean="0"/>
+              <a:t>each slide</a:t>
+            </a:r>
             <a:endParaRPr lang="en-US" dirty="0"/>
           </a:p>
         </p:txBody>
@@ -8032,6 +8064,90 @@
           <a:p>
             <a:fld id="{25C5C581-C732-324E-901A-C1C74FB9D10F}" type="slidenum">
               <a:rPr lang="en-US" smtClean="0"/>
+              <a:t>1</a:t>
+            </a:fld>
+            <a:endParaRPr lang="en-US"/>
+          </a:p>
+        </p:txBody>
+      </p:sp>
+    </p:spTree>
+    <p:extLst>
+      <p:ext uri="{BB962C8B-B14F-4D97-AF65-F5344CB8AC3E}">
+        <p14:creationId xmlns:p14="http://schemas.microsoft.com/office/powerpoint/2010/main" val="2995639652"/>
+      </p:ext>
+    </p:extLst>
+  </p:cSld>
+  <p:clrMapOvr>
+    <a:masterClrMapping/>
+  </p:clrMapOvr>
+</p:notes>
+</file>
+
+<file path=ppt/notesSlides/notesSlide2.xml><?xml version="1.0" encoding="utf-8"?>
+<p:notes xmlns:a="http://schemas.openxmlformats.org/drawingml/2006/main" xmlns:r="http://schemas.openxmlformats.org/officeDocument/2006/relationships" xmlns:p="http://schemas.openxmlformats.org/presentationml/2006/main">
+  <p:cSld>
+    <p:spTree>
+      <p:nvGrpSpPr>
+        <p:cNvPr id="1" name=""/>
+        <p:cNvGrpSpPr/>
+        <p:nvPr/>
+      </p:nvGrpSpPr>
+      <p:grpSpPr>
+        <a:xfrm>
+          <a:off x="0" y="0"/>
+          <a:ext cx="0" cy="0"/>
+          <a:chOff x="0" y="0"/>
+          <a:chExt cx="0" cy="0"/>
+        </a:xfrm>
+      </p:grpSpPr>
+      <p:sp>
+        <p:nvSpPr>
+          <p:cNvPr id="2" name="Slide Image Placeholder 1"/>
+          <p:cNvSpPr>
+            <a:spLocks noGrp="1" noRot="1" noChangeAspect="1"/>
+          </p:cNvSpPr>
+          <p:nvPr>
+            <p:ph type="sldImg"/>
+          </p:nvPr>
+        </p:nvSpPr>
+        <p:spPr/>
+      </p:sp>
+      <p:sp>
+        <p:nvSpPr>
+          <p:cNvPr id="3" name="Notes Placeholder 2"/>
+          <p:cNvSpPr>
+            <a:spLocks noGrp="1"/>
+          </p:cNvSpPr>
+          <p:nvPr>
+            <p:ph type="body" idx="1"/>
+          </p:nvPr>
+        </p:nvSpPr>
+        <p:spPr/>
+        <p:txBody>
+          <a:bodyPr/>
+          <a:lstStyle/>
+          <a:p>
+            <a:endParaRPr lang="en-US" dirty="0"/>
+          </a:p>
+        </p:txBody>
+      </p:sp>
+      <p:sp>
+        <p:nvSpPr>
+          <p:cNvPr id="4" name="Slide Number Placeholder 3"/>
+          <p:cNvSpPr>
+            <a:spLocks noGrp="1"/>
+          </p:cNvSpPr>
+          <p:nvPr>
+            <p:ph type="sldNum" sz="quarter" idx="10"/>
+          </p:nvPr>
+        </p:nvSpPr>
+        <p:spPr/>
+        <p:txBody>
+          <a:bodyPr/>
+          <a:lstStyle/>
+          <a:p>
+            <a:fld id="{25C5C581-C732-324E-901A-C1C74FB9D10F}" type="slidenum">
+              <a:rPr lang="en-US" smtClean="0"/>
               <a:t>3</a:t>
             </a:fld>
             <a:endParaRPr lang="en-US"/>
@@ -8042,6 +8158,186 @@
     <p:extLst>
       <p:ext uri="{BB962C8B-B14F-4D97-AF65-F5344CB8AC3E}">
         <p14:creationId xmlns:p14="http://schemas.microsoft.com/office/powerpoint/2010/main" val="1755003150"/>
+      </p:ext>
+    </p:extLst>
+  </p:cSld>
+  <p:clrMapOvr>
+    <a:masterClrMapping/>
+  </p:clrMapOvr>
+</p:notes>
+</file>
+
+<file path=ppt/notesSlides/notesSlide3.xml><?xml version="1.0" encoding="utf-8"?>
+<p:notes xmlns:a="http://schemas.openxmlformats.org/drawingml/2006/main" xmlns:r="http://schemas.openxmlformats.org/officeDocument/2006/relationships" xmlns:p="http://schemas.openxmlformats.org/presentationml/2006/main">
+  <p:cSld>
+    <p:spTree>
+      <p:nvGrpSpPr>
+        <p:cNvPr id="1" name=""/>
+        <p:cNvGrpSpPr/>
+        <p:nvPr/>
+      </p:nvGrpSpPr>
+      <p:grpSpPr>
+        <a:xfrm>
+          <a:off x="0" y="0"/>
+          <a:ext cx="0" cy="0"/>
+          <a:chOff x="0" y="0"/>
+          <a:chExt cx="0" cy="0"/>
+        </a:xfrm>
+      </p:grpSpPr>
+      <p:sp>
+        <p:nvSpPr>
+          <p:cNvPr id="2" name="Slide Image Placeholder 1"/>
+          <p:cNvSpPr>
+            <a:spLocks noGrp="1" noRot="1" noChangeAspect="1"/>
+          </p:cNvSpPr>
+          <p:nvPr>
+            <p:ph type="sldImg"/>
+          </p:nvPr>
+        </p:nvSpPr>
+        <p:spPr/>
+      </p:sp>
+      <p:sp>
+        <p:nvSpPr>
+          <p:cNvPr id="3" name="Notes Placeholder 2"/>
+          <p:cNvSpPr>
+            <a:spLocks noGrp="1"/>
+          </p:cNvSpPr>
+          <p:nvPr>
+            <p:ph type="body" idx="1"/>
+          </p:nvPr>
+        </p:nvSpPr>
+        <p:spPr/>
+        <p:txBody>
+          <a:bodyPr/>
+          <a:lstStyle/>
+          <a:p>
+            <a:endParaRPr lang="en-US"/>
+          </a:p>
+          <a:p>
+            <a:r>
+              <a:rPr lang="en-US"/>
+              <a:t>----- Meeting Notes (1/15/16 16:34) -----</a:t>
+            </a:r>
+          </a:p>
+          <a:p>
+            <a:r>
+              <a:rPr lang="en-US"/>
+              <a:t>Too long for this slide</a:t>
+            </a:r>
+          </a:p>
+        </p:txBody>
+      </p:sp>
+      <p:sp>
+        <p:nvSpPr>
+          <p:cNvPr id="4" name="Slide Number Placeholder 3"/>
+          <p:cNvSpPr>
+            <a:spLocks noGrp="1"/>
+          </p:cNvSpPr>
+          <p:nvPr>
+            <p:ph type="sldNum" sz="quarter" idx="10"/>
+          </p:nvPr>
+        </p:nvSpPr>
+        <p:spPr/>
+        <p:txBody>
+          <a:bodyPr/>
+          <a:lstStyle/>
+          <a:p>
+            <a:fld id="{25C5C581-C732-324E-901A-C1C74FB9D10F}" type="slidenum">
+              <a:rPr lang="en-US" smtClean="0"/>
+              <a:t>5</a:t>
+            </a:fld>
+            <a:endParaRPr lang="en-US"/>
+          </a:p>
+        </p:txBody>
+      </p:sp>
+    </p:spTree>
+    <p:extLst>
+      <p:ext uri="{BB962C8B-B14F-4D97-AF65-F5344CB8AC3E}">
+        <p14:creationId xmlns:p14="http://schemas.microsoft.com/office/powerpoint/2010/main" val="817155462"/>
+      </p:ext>
+    </p:extLst>
+  </p:cSld>
+  <p:clrMapOvr>
+    <a:masterClrMapping/>
+  </p:clrMapOvr>
+</p:notes>
+</file>
+
+<file path=ppt/notesSlides/notesSlide4.xml><?xml version="1.0" encoding="utf-8"?>
+<p:notes xmlns:a="http://schemas.openxmlformats.org/drawingml/2006/main" xmlns:r="http://schemas.openxmlformats.org/officeDocument/2006/relationships" xmlns:p="http://schemas.openxmlformats.org/presentationml/2006/main">
+  <p:cSld>
+    <p:spTree>
+      <p:nvGrpSpPr>
+        <p:cNvPr id="1" name=""/>
+        <p:cNvGrpSpPr/>
+        <p:nvPr/>
+      </p:nvGrpSpPr>
+      <p:grpSpPr>
+        <a:xfrm>
+          <a:off x="0" y="0"/>
+          <a:ext cx="0" cy="0"/>
+          <a:chOff x="0" y="0"/>
+          <a:chExt cx="0" cy="0"/>
+        </a:xfrm>
+      </p:grpSpPr>
+      <p:sp>
+        <p:nvSpPr>
+          <p:cNvPr id="2" name="Slide Image Placeholder 1"/>
+          <p:cNvSpPr>
+            <a:spLocks noGrp="1" noRot="1" noChangeAspect="1"/>
+          </p:cNvSpPr>
+          <p:nvPr>
+            <p:ph type="sldImg"/>
+          </p:nvPr>
+        </p:nvSpPr>
+        <p:spPr/>
+      </p:sp>
+      <p:sp>
+        <p:nvSpPr>
+          <p:cNvPr id="3" name="Notes Placeholder 2"/>
+          <p:cNvSpPr>
+            <a:spLocks noGrp="1"/>
+          </p:cNvSpPr>
+          <p:nvPr>
+            <p:ph type="body" idx="1"/>
+          </p:nvPr>
+        </p:nvSpPr>
+        <p:spPr/>
+        <p:txBody>
+          <a:bodyPr/>
+          <a:lstStyle/>
+          <a:p>
+            <a:endParaRPr lang="en-US" dirty="0"/>
+          </a:p>
+        </p:txBody>
+      </p:sp>
+      <p:sp>
+        <p:nvSpPr>
+          <p:cNvPr id="4" name="Slide Number Placeholder 3"/>
+          <p:cNvSpPr>
+            <a:spLocks noGrp="1"/>
+          </p:cNvSpPr>
+          <p:nvPr>
+            <p:ph type="sldNum" sz="quarter" idx="10"/>
+          </p:nvPr>
+        </p:nvSpPr>
+        <p:spPr/>
+        <p:txBody>
+          <a:bodyPr/>
+          <a:lstStyle/>
+          <a:p>
+            <a:fld id="{25C5C581-C732-324E-901A-C1C74FB9D10F}" type="slidenum">
+              <a:rPr lang="en-US" smtClean="0"/>
+              <a:t>9</a:t>
+            </a:fld>
+            <a:endParaRPr lang="en-US"/>
+          </a:p>
+        </p:txBody>
+      </p:sp>
+    </p:spTree>
+    <p:extLst>
+      <p:ext uri="{BB962C8B-B14F-4D97-AF65-F5344CB8AC3E}">
+        <p14:creationId xmlns:p14="http://schemas.microsoft.com/office/powerpoint/2010/main" val="1586864886"/>
       </p:ext>
     </p:extLst>
   </p:cSld>
@@ -11127,7 +11423,7 @@
           <p:nvPr/>
         </p:nvPicPr>
         <p:blipFill>
-          <a:blip r:embed="rId2"/>
+          <a:blip r:embed="rId3"/>
           <a:stretch>
             <a:fillRect/>
           </a:stretch>
@@ -11151,7 +11447,7 @@
           <p:nvPr/>
         </p:nvPicPr>
         <p:blipFill>
-          <a:blip r:embed="rId2"/>
+          <a:blip r:embed="rId3"/>
           <a:stretch>
             <a:fillRect/>
           </a:stretch>
@@ -11199,7 +11495,7 @@
                 <a:latin typeface="Arial"/>
                 <a:cs typeface="Arial"/>
               </a:rPr>
-              <a:t>Who To Follow!</a:t>
+              <a:t>Whom To Follow!</a:t>
             </a:r>
             <a:endParaRPr lang="en-US" sz="4000" dirty="0">
               <a:solidFill>
@@ -11271,7 +11567,7 @@
                 <a:latin typeface="Arial"/>
                 <a:cs typeface="Arial"/>
               </a:rPr>
-              <a:t>/in/</a:t>
+              <a:t>: </a:t>
             </a:r>
             <a:r>
               <a:rPr lang="en-US" sz="2400" dirty="0" err="1" smtClean="0">
@@ -11291,6 +11587,160 @@
     <p:extLst>
       <p:ext uri="{BB962C8B-B14F-4D97-AF65-F5344CB8AC3E}">
         <p14:creationId xmlns:p14="http://schemas.microsoft.com/office/powerpoint/2010/main" val="2804935253"/>
+      </p:ext>
+    </p:extLst>
+  </p:cSld>
+  <p:clrMapOvr>
+    <a:masterClrMapping/>
+  </p:clrMapOvr>
+  <p:timing>
+    <p:tnLst>
+      <p:par>
+        <p:cTn xmlns:p14="http://schemas.microsoft.com/office/powerpoint/2010/main" id="1" dur="indefinite" restart="never" nodeType="tmRoot"/>
+      </p:par>
+    </p:tnLst>
+  </p:timing>
+</p:sld>
+</file>
+
+<file path=ppt/slides/slide10.xml><?xml version="1.0" encoding="utf-8"?>
+<p:sld xmlns:a="http://schemas.openxmlformats.org/drawingml/2006/main" xmlns:r="http://schemas.openxmlformats.org/officeDocument/2006/relationships" xmlns:p="http://schemas.openxmlformats.org/presentationml/2006/main">
+  <p:cSld>
+    <p:spTree>
+      <p:nvGrpSpPr>
+        <p:cNvPr id="1" name=""/>
+        <p:cNvGrpSpPr/>
+        <p:nvPr/>
+      </p:nvGrpSpPr>
+      <p:grpSpPr>
+        <a:xfrm>
+          <a:off x="0" y="0"/>
+          <a:ext cx="0" cy="0"/>
+          <a:chOff x="0" y="0"/>
+          <a:chExt cx="0" cy="0"/>
+        </a:xfrm>
+      </p:grpSpPr>
+      <p:sp>
+        <p:nvSpPr>
+          <p:cNvPr id="2" name="Title 1"/>
+          <p:cNvSpPr>
+            <a:spLocks noGrp="1"/>
+          </p:cNvSpPr>
+          <p:nvPr>
+            <p:ph type="title"/>
+          </p:nvPr>
+        </p:nvSpPr>
+        <p:spPr/>
+        <p:txBody>
+          <a:bodyPr/>
+          <a:lstStyle/>
+          <a:p>
+            <a:r>
+              <a:rPr lang="en-US" dirty="0" smtClean="0"/>
+              <a:t>Thank you!</a:t>
+            </a:r>
+            <a:endParaRPr lang="en-US" dirty="0"/>
+          </a:p>
+        </p:txBody>
+      </p:sp>
+      <p:sp>
+        <p:nvSpPr>
+          <p:cNvPr id="3" name="Content Placeholder 2"/>
+          <p:cNvSpPr>
+            <a:spLocks noGrp="1"/>
+          </p:cNvSpPr>
+          <p:nvPr>
+            <p:ph idx="1"/>
+          </p:nvPr>
+        </p:nvSpPr>
+        <p:spPr/>
+        <p:txBody>
+          <a:bodyPr/>
+          <a:lstStyle/>
+          <a:p>
+            <a:pPr marL="0" indent="0" algn="ctr">
+              <a:buNone/>
+            </a:pPr>
+            <a:r>
+              <a:rPr lang="en-US" dirty="0" smtClean="0"/>
+              <a:t>Any questions?</a:t>
+            </a:r>
+          </a:p>
+          <a:p>
+            <a:pPr marL="0" indent="0">
+              <a:buNone/>
+            </a:pPr>
+            <a:endParaRPr lang="en-US" dirty="0" smtClean="0"/>
+          </a:p>
+          <a:p>
+            <a:pPr marL="0" indent="0">
+              <a:buNone/>
+            </a:pPr>
+            <a:endParaRPr lang="en-US" dirty="0"/>
+          </a:p>
+          <a:p>
+            <a:pPr marL="0" indent="0">
+              <a:buNone/>
+            </a:pPr>
+            <a:endParaRPr lang="en-US" dirty="0" smtClean="0"/>
+          </a:p>
+          <a:p>
+            <a:pPr marL="0" indent="0" algn="r">
+              <a:buNone/>
+            </a:pPr>
+            <a:r>
+              <a:rPr lang="en-US" dirty="0" smtClean="0"/>
+              <a:t>Susie X Sun</a:t>
+            </a:r>
+          </a:p>
+          <a:p>
+            <a:pPr marL="0" indent="0" algn="r">
+              <a:buNone/>
+            </a:pPr>
+            <a:r>
+              <a:rPr lang="en-US" dirty="0" err="1" smtClean="0"/>
+              <a:t>linkedin</a:t>
+            </a:r>
+            <a:r>
+              <a:rPr lang="en-US" dirty="0" smtClean="0"/>
+              <a:t>: </a:t>
+            </a:r>
+            <a:r>
+              <a:rPr lang="en-US" dirty="0" err="1" smtClean="0"/>
+              <a:t>susiexsun</a:t>
+            </a:r>
+            <a:endParaRPr lang="en-US" dirty="0" smtClean="0"/>
+          </a:p>
+          <a:p>
+            <a:pPr marL="0" indent="0" algn="r">
+              <a:buNone/>
+            </a:pPr>
+            <a:r>
+              <a:rPr lang="en-US" dirty="0" err="1" smtClean="0"/>
+              <a:t>github</a:t>
+            </a:r>
+            <a:r>
+              <a:rPr lang="en-US" dirty="0" smtClean="0"/>
+              <a:t>: </a:t>
+            </a:r>
+            <a:r>
+              <a:rPr lang="en-US" dirty="0" err="1" smtClean="0"/>
+              <a:t>susiexsun</a:t>
+            </a:r>
+            <a:endParaRPr lang="en-US" dirty="0" smtClean="0"/>
+          </a:p>
+          <a:p>
+            <a:pPr marL="457200" lvl="1" indent="0">
+              <a:buNone/>
+            </a:pPr>
+            <a:endParaRPr lang="en-US" dirty="0"/>
+          </a:p>
+        </p:txBody>
+      </p:sp>
+    </p:spTree>
+    <p:extLst>
+      <p:ext uri="{BB962C8B-B14F-4D97-AF65-F5344CB8AC3E}">
+        <p14:creationId xmlns:p14="http://schemas.microsoft.com/office/powerpoint/2010/main" val="461098459"/>
       </p:ext>
     </p:extLst>
   </p:cSld>
@@ -11346,7 +11796,7 @@
                 <a:latin typeface="Arial"/>
                 <a:cs typeface="Arial"/>
               </a:rPr>
-              <a:t>Goal: Quality Content Discovery</a:t>
+              <a:t>Motivation</a:t>
             </a:r>
             <a:endParaRPr lang="en-US" dirty="0">
               <a:latin typeface="Arial"/>
@@ -11363,8 +11813,8 @@
         </p:nvSpPr>
         <p:spPr>
           <a:xfrm>
-            <a:off x="592668" y="1586972"/>
-            <a:ext cx="7958666" cy="1077218"/>
+            <a:off x="592668" y="3241015"/>
+            <a:ext cx="7958666" cy="584776"/>
           </a:xfrm>
           <a:prstGeom prst="rect">
             <a:avLst/>
@@ -11383,40 +11833,22 @@
                 <a:latin typeface="Arial"/>
                 <a:cs typeface="Arial"/>
               </a:rPr>
-              <a:t>Find people who tweet high quality content on your interested topics</a:t>
+              <a:t>Surface </a:t>
             </a:r>
+            <a:r>
+              <a:rPr lang="en-US" sz="3200" dirty="0">
+                <a:latin typeface="Arial"/>
+                <a:cs typeface="Arial"/>
+              </a:rPr>
+              <a:t>the Quality Content on Twitter </a:t>
+            </a:r>
+            <a:endParaRPr lang="en-US" sz="3200" dirty="0" smtClean="0">
+              <a:latin typeface="Arial"/>
+              <a:cs typeface="Arial"/>
+            </a:endParaRPr>
           </a:p>
         </p:txBody>
       </p:sp>
-      <p:pic>
-        <p:nvPicPr>
-          <p:cNvPr id="23" name="Picture 22" descr="baby_boy_on_Twitter___I_learned_more_being_on_Twitter_than_I_did_attending_High_school__.png"/>
-          <p:cNvPicPr>
-            <a:picLocks noChangeAspect="1"/>
-          </p:cNvPicPr>
-          <p:nvPr/>
-        </p:nvPicPr>
-        <p:blipFill rotWithShape="1">
-          <a:blip r:embed="rId2">
-            <a:extLst>
-              <a:ext uri="{28A0092B-C50C-407E-A947-70E740481C1C}">
-                <a14:useLocalDpi xmlns:a14="http://schemas.microsoft.com/office/drawing/2010/main" val="0"/>
-              </a:ext>
-            </a:extLst>
-          </a:blip>
-          <a:srcRect t="1" b="48960"/>
-          <a:stretch/>
-        </p:blipFill>
-        <p:spPr>
-          <a:xfrm>
-            <a:off x="791634" y="3143359"/>
-            <a:ext cx="7607300" cy="1970513"/>
-          </a:xfrm>
-          <a:prstGeom prst="rect">
-            <a:avLst/>
-          </a:prstGeom>
-        </p:spPr>
-      </p:pic>
     </p:spTree>
     <p:extLst>
       <p:ext uri="{BB962C8B-B14F-4D97-AF65-F5344CB8AC3E}">
@@ -11497,8 +11929,8 @@
         </p:nvSpPr>
         <p:spPr>
           <a:xfrm>
-            <a:off x="2082799" y="1823006"/>
-            <a:ext cx="6350002" cy="843677"/>
+            <a:off x="2569284" y="1703860"/>
+            <a:ext cx="6117515" cy="1648327"/>
           </a:xfrm>
         </p:spPr>
         <p:txBody>
@@ -11507,16 +11939,47 @@
           </a:bodyPr>
           <a:lstStyle/>
           <a:p>
-            <a:pPr marL="0" indent="0" algn="ctr">
-              <a:buNone/>
+            <a:pPr marL="514350" indent="-514350" algn="ctr">
+              <a:buFont typeface="+mj-lt"/>
+              <a:buAutoNum type="arabicPeriod"/>
             </a:pPr>
             <a:r>
               <a:rPr lang="en-US" sz="2800" dirty="0" smtClean="0">
                 <a:latin typeface="Arial"/>
                 <a:cs typeface="Arial"/>
               </a:rPr>
-              <a:t>NOISE: Non-content such as conversations occur Twitter.</a:t>
+              <a:t>Non-content (conversations) occur Twitter</a:t>
             </a:r>
+          </a:p>
+          <a:p>
+            <a:pPr marL="514350" indent="-514350" algn="ctr">
+              <a:buFont typeface="+mj-lt"/>
+              <a:buAutoNum type="arabicPeriod"/>
+            </a:pPr>
+            <a:r>
+              <a:rPr lang="en-US" sz="2800" dirty="0" smtClean="0">
+                <a:latin typeface="Arial"/>
+                <a:cs typeface="Arial"/>
+              </a:rPr>
+              <a:t>Amount of tweets: 500 </a:t>
+            </a:r>
+            <a:r>
+              <a:rPr lang="en-US" sz="2800" dirty="0">
+                <a:latin typeface="Arial"/>
+                <a:cs typeface="Arial"/>
+              </a:rPr>
+              <a:t>m</a:t>
+            </a:r>
+            <a:r>
+              <a:rPr lang="en-US" sz="2800" dirty="0" smtClean="0">
+                <a:latin typeface="Arial"/>
+                <a:cs typeface="Arial"/>
+              </a:rPr>
+              <a:t>illion / day</a:t>
+            </a:r>
+          </a:p>
+          <a:p>
+            <a:pPr algn="ctr"/>
             <a:endParaRPr lang="en-US" sz="2800" dirty="0">
               <a:latin typeface="Arial"/>
               <a:cs typeface="Arial"/>
@@ -11534,8 +11997,8 @@
         </p:nvGrpSpPr>
         <p:grpSpPr>
           <a:xfrm>
-            <a:off x="587098" y="1516417"/>
-            <a:ext cx="1614239" cy="1475124"/>
+            <a:off x="587098" y="1634948"/>
+            <a:ext cx="2139279" cy="1954916"/>
             <a:chOff x="2905058" y="1515624"/>
             <a:chExt cx="3421831" cy="3126937"/>
           </a:xfrm>
@@ -11632,8 +12095,8 @@
           </p:nvSpPr>
           <p:spPr>
             <a:xfrm>
-              <a:off x="5027886" y="1599224"/>
-              <a:ext cx="1299003" cy="652419"/>
+              <a:off x="5027886" y="1599225"/>
+              <a:ext cx="1299003" cy="639986"/>
             </a:xfrm>
             <a:prstGeom prst="rect">
               <a:avLst/>
@@ -11648,7 +12111,7 @@
             <a:p>
               <a:pPr algn="ctr"/>
               <a:r>
-                <a:rPr lang="en-US" sz="1400" dirty="0" smtClean="0">
+                <a:rPr lang="en-US" sz="2000" dirty="0" smtClean="0">
                   <a:solidFill>
                     <a:schemeClr val="bg1"/>
                   </a:solidFill>
@@ -11678,8 +12141,8 @@
         </p:nvSpPr>
         <p:spPr>
           <a:xfrm>
-            <a:off x="2005758" y="3520628"/>
-            <a:ext cx="6522356" cy="843677"/>
+            <a:off x="2467186" y="4635733"/>
+            <a:ext cx="6060927" cy="1244559"/>
           </a:xfrm>
           <a:prstGeom prst="rect">
             <a:avLst/>
@@ -11687,7 +12150,7 @@
         </p:spPr>
         <p:txBody>
           <a:bodyPr vert="horz" lIns="91440" tIns="45720" rIns="91440" bIns="45720" rtlCol="0">
-            <a:normAutofit fontScale="92500" lnSpcReduction="10000"/>
+            <a:normAutofit/>
           </a:bodyPr>
           <a:lstStyle>
             <a:lvl1pPr marL="342900" indent="-342900" algn="l" defTabSz="457200" rtl="0" eaLnBrk="1" latinLnBrk="0" hangingPunct="1">
@@ -11827,16 +12290,13 @@
             </a:lvl9pPr>
           </a:lstStyle>
           <a:p>
-            <a:pPr marL="0" indent="0" algn="ctr">
-              <a:buFont typeface="Arial"/>
-              <a:buNone/>
-            </a:pPr>
+            <a:pPr algn="ctr"/>
             <a:r>
               <a:rPr lang="en-US" sz="2800" dirty="0" smtClean="0">
                 <a:latin typeface="Arial"/>
                 <a:cs typeface="Arial"/>
               </a:rPr>
-              <a:t>SUBJECTIVITY: quality means different things to different people</a:t>
+              <a:t>Quality means different things to different people</a:t>
             </a:r>
             <a:endParaRPr lang="en-US" sz="2800" dirty="0">
               <a:latin typeface="Arial"/>
@@ -11860,8 +12320,8 @@
         </p:blipFill>
         <p:spPr>
           <a:xfrm>
-            <a:off x="793417" y="3325865"/>
-            <a:ext cx="1046033" cy="1194339"/>
+            <a:off x="773364" y="4341865"/>
+            <a:ext cx="1495701" cy="1707761"/>
           </a:xfrm>
           <a:prstGeom prst="rect">
             <a:avLst/>
@@ -11927,7 +12387,7 @@
                 <a:latin typeface="Arial"/>
                 <a:cs typeface="Arial"/>
               </a:rPr>
-              <a:t>Result: Content &amp; Graph Based Recommender</a:t>
+              <a:t>Result: Content &amp; Graph Recommender</a:t>
             </a:r>
             <a:endParaRPr lang="en-US" sz="3600" dirty="0">
               <a:latin typeface="Arial"/>
@@ -11944,7 +12404,7 @@
           </p:cNvPicPr>
           <p:nvPr/>
         </p:nvPicPr>
-        <p:blipFill>
+        <p:blipFill rotWithShape="1">
           <a:blip r:embed="rId2">
             <a:extLst>
               <a:ext uri="{28A0092B-C50C-407E-A947-70E740481C1C}">
@@ -11952,14 +12412,42 @@
               </a:ext>
             </a:extLst>
           </a:blip>
-          <a:stretch>
-            <a:fillRect/>
-          </a:stretch>
+          <a:srcRect l="3228" t="29603" r="3823" b="5202"/>
+          <a:stretch/>
         </p:blipFill>
         <p:spPr>
           <a:xfrm>
-            <a:off x="457200" y="2247374"/>
-            <a:ext cx="3877733" cy="2713862"/>
+            <a:off x="1797502" y="1417637"/>
+            <a:ext cx="5024505" cy="2466409"/>
+          </a:xfrm>
+          <a:prstGeom prst="rect">
+            <a:avLst/>
+          </a:prstGeom>
+        </p:spPr>
+      </p:pic>
+      <p:pic>
+        <p:nvPicPr>
+          <p:cNvPr id="7" name="Picture 6" descr="_1__Twitter.png"/>
+          <p:cNvPicPr>
+            <a:picLocks noChangeAspect="1"/>
+          </p:cNvPicPr>
+          <p:nvPr/>
+        </p:nvPicPr>
+        <p:blipFill rotWithShape="1">
+          <a:blip r:embed="rId3">
+            <a:extLst>
+              <a:ext uri="{28A0092B-C50C-407E-A947-70E740481C1C}">
+                <a14:useLocalDpi xmlns:a14="http://schemas.microsoft.com/office/drawing/2010/main" val="0"/>
+              </a:ext>
+            </a:extLst>
+          </a:blip>
+          <a:srcRect b="34633"/>
+          <a:stretch/>
+        </p:blipFill>
+        <p:spPr>
+          <a:xfrm>
+            <a:off x="2357198" y="4276715"/>
+            <a:ext cx="3911602" cy="2240534"/>
           </a:xfrm>
           <a:prstGeom prst="rect">
             <a:avLst/>
@@ -11968,14 +12456,14 @@
       </p:pic>
       <p:sp>
         <p:nvSpPr>
-          <p:cNvPr id="6" name="TextBox 5"/>
+          <p:cNvPr id="8" name="TextBox 7"/>
           <p:cNvSpPr txBox="1"/>
           <p:nvPr/>
         </p:nvSpPr>
         <p:spPr>
           <a:xfrm>
-            <a:off x="5571066" y="3268134"/>
-            <a:ext cx="2946400" cy="646331"/>
+            <a:off x="677334" y="4859867"/>
+            <a:ext cx="1456266" cy="646331"/>
           </a:xfrm>
           <a:prstGeom prst="rect">
             <a:avLst/>
@@ -11988,15 +12476,50 @@
           </a:bodyPr>
           <a:lstStyle/>
           <a:p>
-            <a:pPr algn="ctr"/>
             <a:r>
               <a:rPr lang="en-US" dirty="0" smtClean="0"/>
-              <a:t>PICTURE OF RESULT PAGE HERE</a:t>
+              <a:t>Fill with actual result</a:t>
             </a:r>
             <a:endParaRPr lang="en-US" dirty="0"/>
           </a:p>
         </p:txBody>
       </p:sp>
+      <p:cxnSp>
+        <p:nvCxnSpPr>
+          <p:cNvPr id="11" name="Straight Arrow Connector 10"/>
+          <p:cNvCxnSpPr>
+            <a:stCxn id="5" idx="2"/>
+            <a:endCxn id="7" idx="0"/>
+          </p:cNvCxnSpPr>
+          <p:nvPr/>
+        </p:nvCxnSpPr>
+        <p:spPr>
+          <a:xfrm>
+            <a:off x="4309755" y="3884046"/>
+            <a:ext cx="3244" cy="392669"/>
+          </a:xfrm>
+          <a:prstGeom prst="straightConnector1">
+            <a:avLst/>
+          </a:prstGeom>
+          <a:ln>
+            <a:tailEnd type="arrow"/>
+          </a:ln>
+        </p:spPr>
+        <p:style>
+          <a:lnRef idx="2">
+            <a:schemeClr val="accent1"/>
+          </a:lnRef>
+          <a:fillRef idx="0">
+            <a:schemeClr val="accent1"/>
+          </a:fillRef>
+          <a:effectRef idx="1">
+            <a:schemeClr val="accent1"/>
+          </a:effectRef>
+          <a:fontRef idx="minor">
+            <a:schemeClr val="tx1"/>
+          </a:fontRef>
+        </p:style>
+      </p:cxnSp>
     </p:spTree>
     <p:extLst>
       <p:ext uri="{BB962C8B-B14F-4D97-AF65-F5344CB8AC3E}">
@@ -12098,7 +12621,7 @@
                 <a:latin typeface="Arial"/>
                 <a:cs typeface="Arial"/>
               </a:rPr>
-              <a:t>Model: Step 1 – The Graph</a:t>
+              <a:t>Model Step 1: The Graph</a:t>
             </a:r>
             <a:endParaRPr lang="en-US" dirty="0">
               <a:latin typeface="Arial"/>
@@ -12131,16 +12654,12 @@
               <a:buNone/>
             </a:pPr>
             <a:r>
-              <a:rPr lang="en-US" dirty="0" smtClean="0"/>
-              <a:t>A </a:t>
-            </a:r>
-            <a:r>
               <a:rPr lang="en-US" dirty="0" err="1" smtClean="0"/>
               <a:t>Retweet</a:t>
             </a:r>
             <a:r>
               <a:rPr lang="en-US" dirty="0" smtClean="0"/>
-              <a:t> is signal for quality. </a:t>
+              <a:t> is signal for quality </a:t>
             </a:r>
             <a:endParaRPr lang="en-US" dirty="0"/>
           </a:p>
@@ -12164,7 +12683,7 @@
         </p:xfrm>
         <a:graphic>
           <a:graphicData uri="http://schemas.openxmlformats.org/drawingml/2006/diagram">
-            <dgm:relIds xmlns:dgm="http://schemas.openxmlformats.org/drawingml/2006/diagram" xmlns:r="http://schemas.openxmlformats.org/officeDocument/2006/relationships" r:dm="rId2" r:lo="rId3" r:qs="rId4" r:cs="rId5"/>
+            <dgm:relIds xmlns:dgm="http://schemas.openxmlformats.org/drawingml/2006/diagram" xmlns:r="http://schemas.openxmlformats.org/officeDocument/2006/relationships" r:dm="rId3" r:lo="rId4" r:qs="rId5" r:cs="rId6"/>
           </a:graphicData>
         </a:graphic>
       </p:graphicFrame>
@@ -12434,7 +12953,7 @@
                 <a:latin typeface="Arial"/>
                 <a:cs typeface="Arial"/>
               </a:rPr>
-              <a:t>Model: Step 2 – The Content</a:t>
+              <a:t>Model Step 2: The Content</a:t>
             </a:r>
             <a:endParaRPr lang="en-US" dirty="0">
               <a:latin typeface="Arial"/>
@@ -12450,7 +12969,7 @@
           <p:nvPr>
             <p:extLst>
               <p:ext uri="{D42A27DB-BD31-4B8C-83A1-F6EECF244321}">
-                <p14:modId xmlns:p14="http://schemas.microsoft.com/office/powerpoint/2010/main" val="2690558960"/>
+                <p14:modId xmlns:p14="http://schemas.microsoft.com/office/powerpoint/2010/main" val="167559719"/>
               </p:ext>
             </p:extLst>
           </p:nvPr>
@@ -12521,7 +13040,7 @@
           <a:p>
             <a:r>
               <a:rPr lang="en-US" dirty="0" smtClean="0"/>
-              <a:t>Data Source / Data Pipeline</a:t>
+              <a:t>Data Pipeline</a:t>
             </a:r>
             <a:endParaRPr lang="en-US" dirty="0"/>
           </a:p>
@@ -12549,7 +13068,7 @@
         </p:blipFill>
         <p:spPr>
           <a:xfrm>
-            <a:off x="677334" y="2523067"/>
+            <a:off x="677334" y="3069921"/>
             <a:ext cx="1439334" cy="1439334"/>
           </a:xfrm>
           <a:prstGeom prst="rect">
@@ -12565,7 +13084,7 @@
         </p:nvSpPr>
         <p:spPr>
           <a:xfrm>
-            <a:off x="457200" y="4296602"/>
+            <a:off x="457200" y="5037184"/>
             <a:ext cx="2015067" cy="923330"/>
           </a:xfrm>
           <a:prstGeom prst="rect">
@@ -12629,8 +13148,8 @@
         </p:blipFill>
         <p:spPr>
           <a:xfrm>
-            <a:off x="2991400" y="2523066"/>
-            <a:ext cx="1208071" cy="1507551"/>
+            <a:off x="2999549" y="2922994"/>
+            <a:ext cx="1066804" cy="1331264"/>
           </a:xfrm>
           <a:prstGeom prst="rect">
             <a:avLst/>
@@ -12659,8 +13178,8 @@
         </p:blipFill>
         <p:spPr>
           <a:xfrm>
-            <a:off x="4557698" y="2523066"/>
-            <a:ext cx="1834636" cy="1638068"/>
+            <a:off x="2790796" y="4787658"/>
+            <a:ext cx="1484309" cy="1325276"/>
           </a:xfrm>
           <a:prstGeom prst="rect">
             <a:avLst/>
@@ -12696,6 +13215,354 @@
               <a:t>IMPROVEMENTS NEEDED HERE</a:t>
             </a:r>
             <a:endParaRPr lang="en-US" dirty="0"/>
+          </a:p>
+        </p:txBody>
+      </p:sp>
+      <p:sp>
+        <p:nvSpPr>
+          <p:cNvPr id="12" name="TextBox 11"/>
+          <p:cNvSpPr txBox="1"/>
+          <p:nvPr/>
+        </p:nvSpPr>
+        <p:spPr>
+          <a:xfrm>
+            <a:off x="2175372" y="6350000"/>
+            <a:ext cx="2664335" cy="369333"/>
+          </a:xfrm>
+          <a:prstGeom prst="rect">
+            <a:avLst/>
+          </a:prstGeom>
+          <a:noFill/>
+        </p:spPr>
+        <p:txBody>
+          <a:bodyPr wrap="square" rtlCol="0">
+            <a:spAutoFit/>
+          </a:bodyPr>
+          <a:lstStyle/>
+          <a:p>
+            <a:pPr algn="ctr"/>
+            <a:r>
+              <a:rPr lang="en-US" dirty="0" smtClean="0"/>
+              <a:t>Data Storage</a:t>
+            </a:r>
+            <a:endParaRPr lang="en-US" dirty="0"/>
+          </a:p>
+        </p:txBody>
+      </p:sp>
+      <p:sp>
+        <p:nvSpPr>
+          <p:cNvPr id="13" name="Rectangle 12"/>
+          <p:cNvSpPr/>
+          <p:nvPr/>
+        </p:nvSpPr>
+        <p:spPr>
+          <a:xfrm>
+            <a:off x="5296907" y="2975710"/>
+            <a:ext cx="1202267" cy="3374290"/>
+          </a:xfrm>
+          <a:prstGeom prst="rect">
+            <a:avLst/>
+          </a:prstGeom>
+        </p:spPr>
+        <p:style>
+          <a:lnRef idx="1">
+            <a:schemeClr val="accent1"/>
+          </a:lnRef>
+          <a:fillRef idx="3">
+            <a:schemeClr val="accent1"/>
+          </a:fillRef>
+          <a:effectRef idx="2">
+            <a:schemeClr val="accent1"/>
+          </a:effectRef>
+          <a:fontRef idx="minor">
+            <a:schemeClr val="lt1"/>
+          </a:fontRef>
+        </p:style>
+        <p:txBody>
+          <a:bodyPr rtlCol="0" anchor="ctr"/>
+          <a:lstStyle/>
+          <a:p>
+            <a:pPr algn="ctr"/>
+            <a:r>
+              <a:rPr lang="en-US" dirty="0" smtClean="0"/>
+              <a:t>Corpus</a:t>
+            </a:r>
+            <a:endParaRPr lang="en-US" dirty="0"/>
+          </a:p>
+        </p:txBody>
+      </p:sp>
+      <p:sp>
+        <p:nvSpPr>
+          <p:cNvPr id="14" name="Rectangle 13"/>
+          <p:cNvSpPr/>
+          <p:nvPr/>
+        </p:nvSpPr>
+        <p:spPr>
+          <a:xfrm>
+            <a:off x="5296907" y="1760473"/>
+            <a:ext cx="1202267" cy="545068"/>
+          </a:xfrm>
+          <a:prstGeom prst="rect">
+            <a:avLst/>
+          </a:prstGeom>
+          <a:solidFill>
+            <a:schemeClr val="accent3"/>
+          </a:solidFill>
+          <a:ln>
+            <a:noFill/>
+          </a:ln>
+        </p:spPr>
+        <p:style>
+          <a:lnRef idx="2">
+            <a:schemeClr val="accent2">
+              <a:shade val="50000"/>
+            </a:schemeClr>
+          </a:lnRef>
+          <a:fillRef idx="1">
+            <a:schemeClr val="accent2"/>
+          </a:fillRef>
+          <a:effectRef idx="0">
+            <a:schemeClr val="accent2"/>
+          </a:effectRef>
+          <a:fontRef idx="minor">
+            <a:schemeClr val="lt1"/>
+          </a:fontRef>
+        </p:style>
+        <p:txBody>
+          <a:bodyPr rtlCol="0" anchor="ctr"/>
+          <a:lstStyle/>
+          <a:p>
+            <a:pPr algn="ctr"/>
+            <a:r>
+              <a:rPr lang="en-US" dirty="0" smtClean="0"/>
+              <a:t>User 0</a:t>
+            </a:r>
+            <a:endParaRPr lang="en-US" dirty="0"/>
+          </a:p>
+        </p:txBody>
+      </p:sp>
+      <p:cxnSp>
+        <p:nvCxnSpPr>
+          <p:cNvPr id="18" name="Straight Arrow Connector 17"/>
+          <p:cNvCxnSpPr>
+            <a:stCxn id="9" idx="2"/>
+            <a:endCxn id="10" idx="0"/>
+          </p:cNvCxnSpPr>
+          <p:nvPr/>
+        </p:nvCxnSpPr>
+        <p:spPr>
+          <a:xfrm>
+            <a:off x="3532951" y="4254258"/>
+            <a:ext cx="0" cy="533400"/>
+          </a:xfrm>
+          <a:prstGeom prst="straightConnector1">
+            <a:avLst/>
+          </a:prstGeom>
+          <a:ln>
+            <a:tailEnd type="arrow"/>
+          </a:ln>
+        </p:spPr>
+        <p:style>
+          <a:lnRef idx="2">
+            <a:schemeClr val="accent1"/>
+          </a:lnRef>
+          <a:fillRef idx="0">
+            <a:schemeClr val="accent1"/>
+          </a:fillRef>
+          <a:effectRef idx="1">
+            <a:schemeClr val="accent1"/>
+          </a:effectRef>
+          <a:fontRef idx="minor">
+            <a:schemeClr val="tx1"/>
+          </a:fontRef>
+        </p:style>
+      </p:cxnSp>
+      <p:sp>
+        <p:nvSpPr>
+          <p:cNvPr id="23" name="Rectangle 22"/>
+          <p:cNvSpPr/>
+          <p:nvPr/>
+        </p:nvSpPr>
+        <p:spPr>
+          <a:xfrm>
+            <a:off x="7501467" y="3057463"/>
+            <a:ext cx="880534" cy="1062325"/>
+          </a:xfrm>
+          <a:prstGeom prst="rect">
+            <a:avLst/>
+          </a:prstGeom>
+        </p:spPr>
+        <p:style>
+          <a:lnRef idx="1">
+            <a:schemeClr val="accent1"/>
+          </a:lnRef>
+          <a:fillRef idx="3">
+            <a:schemeClr val="accent1"/>
+          </a:fillRef>
+          <a:effectRef idx="2">
+            <a:schemeClr val="accent1"/>
+          </a:effectRef>
+          <a:fontRef idx="minor">
+            <a:schemeClr val="lt1"/>
+          </a:fontRef>
+        </p:style>
+        <p:txBody>
+          <a:bodyPr rtlCol="0" anchor="ctr"/>
+          <a:lstStyle/>
+          <a:p>
+            <a:pPr algn="ctr"/>
+            <a:r>
+              <a:rPr lang="en-US" dirty="0" smtClean="0"/>
+              <a:t>Model</a:t>
+            </a:r>
+            <a:endParaRPr lang="en-US" dirty="0"/>
+          </a:p>
+        </p:txBody>
+      </p:sp>
+      <p:cxnSp>
+        <p:nvCxnSpPr>
+          <p:cNvPr id="25" name="Straight Arrow Connector 24"/>
+          <p:cNvCxnSpPr>
+            <a:stCxn id="13" idx="3"/>
+          </p:cNvCxnSpPr>
+          <p:nvPr/>
+        </p:nvCxnSpPr>
+        <p:spPr>
+          <a:xfrm flipV="1">
+            <a:off x="6499174" y="3661748"/>
+            <a:ext cx="1002293" cy="1001107"/>
+          </a:xfrm>
+          <a:prstGeom prst="straightConnector1">
+            <a:avLst/>
+          </a:prstGeom>
+          <a:ln>
+            <a:tailEnd type="arrow"/>
+          </a:ln>
+        </p:spPr>
+        <p:style>
+          <a:lnRef idx="2">
+            <a:schemeClr val="accent1"/>
+          </a:lnRef>
+          <a:fillRef idx="0">
+            <a:schemeClr val="accent1"/>
+          </a:fillRef>
+          <a:effectRef idx="1">
+            <a:schemeClr val="accent1"/>
+          </a:effectRef>
+          <a:fontRef idx="minor">
+            <a:schemeClr val="tx1"/>
+          </a:fontRef>
+        </p:style>
+      </p:cxnSp>
+      <p:cxnSp>
+        <p:nvCxnSpPr>
+          <p:cNvPr id="27" name="Straight Arrow Connector 26"/>
+          <p:cNvCxnSpPr>
+            <a:stCxn id="14" idx="3"/>
+            <a:endCxn id="23" idx="1"/>
+          </p:cNvCxnSpPr>
+          <p:nvPr/>
+        </p:nvCxnSpPr>
+        <p:spPr>
+          <a:xfrm>
+            <a:off x="6499174" y="2033007"/>
+            <a:ext cx="1002293" cy="1555619"/>
+          </a:xfrm>
+          <a:prstGeom prst="straightConnector1">
+            <a:avLst/>
+          </a:prstGeom>
+          <a:ln>
+            <a:tailEnd type="arrow"/>
+          </a:ln>
+        </p:spPr>
+        <p:style>
+          <a:lnRef idx="2">
+            <a:schemeClr val="accent1"/>
+          </a:lnRef>
+          <a:fillRef idx="0">
+            <a:schemeClr val="accent1"/>
+          </a:fillRef>
+          <a:effectRef idx="1">
+            <a:schemeClr val="accent1"/>
+          </a:effectRef>
+          <a:fontRef idx="minor">
+            <a:schemeClr val="tx1"/>
+          </a:fontRef>
+        </p:style>
+      </p:cxnSp>
+      <p:sp>
+        <p:nvSpPr>
+          <p:cNvPr id="33" name="Right Arrow 32"/>
+          <p:cNvSpPr/>
+          <p:nvPr/>
+        </p:nvSpPr>
+        <p:spPr>
+          <a:xfrm>
+            <a:off x="2175372" y="4083725"/>
+            <a:ext cx="824177" cy="408597"/>
+          </a:xfrm>
+          <a:prstGeom prst="rightArrow">
+            <a:avLst/>
+          </a:prstGeom>
+        </p:spPr>
+        <p:style>
+          <a:lnRef idx="1">
+            <a:schemeClr val="accent1"/>
+          </a:lnRef>
+          <a:fillRef idx="3">
+            <a:schemeClr val="accent1"/>
+          </a:fillRef>
+          <a:effectRef idx="2">
+            <a:schemeClr val="accent1"/>
+          </a:effectRef>
+          <a:fontRef idx="minor">
+            <a:schemeClr val="lt1"/>
+          </a:fontRef>
+        </p:style>
+        <p:txBody>
+          <a:bodyPr rtlCol="0" anchor="ctr"/>
+          <a:lstStyle/>
+          <a:p>
+            <a:pPr algn="ctr"/>
+            <a:endParaRPr lang="en-US"/>
+          </a:p>
+        </p:txBody>
+      </p:sp>
+      <p:sp>
+        <p:nvSpPr>
+          <p:cNvPr id="34" name="Right Arrow 33"/>
+          <p:cNvSpPr/>
+          <p:nvPr/>
+        </p:nvSpPr>
+        <p:spPr>
+          <a:xfrm>
+            <a:off x="4275105" y="4119788"/>
+            <a:ext cx="838762" cy="333679"/>
+          </a:xfrm>
+          <a:prstGeom prst="rightArrow">
+            <a:avLst/>
+          </a:prstGeom>
+        </p:spPr>
+        <p:style>
+          <a:lnRef idx="1">
+            <a:schemeClr val="accent1"/>
+          </a:lnRef>
+          <a:fillRef idx="3">
+            <a:schemeClr val="accent1"/>
+          </a:fillRef>
+          <a:effectRef idx="2">
+            <a:schemeClr val="accent1"/>
+          </a:effectRef>
+          <a:fontRef idx="minor">
+            <a:schemeClr val="lt1"/>
+          </a:fontRef>
+        </p:style>
+        <p:txBody>
+          <a:bodyPr rtlCol="0" anchor="ctr"/>
+          <a:lstStyle/>
+          <a:p>
+            <a:pPr algn="ctr"/>
+            <a:endParaRPr lang="en-US"/>
           </a:p>
         </p:txBody>
       </p:sp>
@@ -12964,6 +13831,13 @@
   <p:clrMapOvr>
     <a:masterClrMapping/>
   </p:clrMapOvr>
+  <p:timing>
+    <p:tnLst>
+      <p:par>
+        <p:cTn xmlns:p14="http://schemas.microsoft.com/office/powerpoint/2010/main" id="1" dur="indefinite" restart="never" nodeType="tmRoot"/>
+      </p:par>
+    </p:tnLst>
+  </p:timing>
 </p:sld>
 </file>
 

--- a/capstone_presentation.pptx
+++ b/capstone_presentation.pptx
@@ -2024,6 +2024,13 @@
         </dgm:presLayoutVars>
       </dgm:prSet>
       <dgm:spPr/>
+      <dgm:t>
+        <a:bodyPr/>
+        <a:lstStyle/>
+        <a:p>
+          <a:endParaRPr lang="en-US"/>
+        </a:p>
+      </dgm:t>
     </dgm:pt>
     <dgm:pt modelId="{62B57DB9-9BDC-D143-9A7D-0FA2DCF6CAD4}" type="pres">
       <dgm:prSet presAssocID="{19570616-89DF-984D-B557-9236F3BE5553}" presName="hierFlow" presStyleCnt="0"/>
@@ -2069,10 +2076,24 @@
     <dgm:pt modelId="{70AEB20C-AB8E-524F-BB2C-F2B6E013C712}" type="pres">
       <dgm:prSet presAssocID="{A195B8F1-B68A-6644-B11E-B86C2352D86D}" presName="Name25" presStyleLbl="parChTrans1D2" presStyleIdx="0" presStyleCnt="3"/>
       <dgm:spPr/>
+      <dgm:t>
+        <a:bodyPr/>
+        <a:lstStyle/>
+        <a:p>
+          <a:endParaRPr lang="en-US"/>
+        </a:p>
+      </dgm:t>
     </dgm:pt>
     <dgm:pt modelId="{BA8E6088-08E5-8F4A-A21B-E1934DB2BD81}" type="pres">
       <dgm:prSet presAssocID="{A195B8F1-B68A-6644-B11E-B86C2352D86D}" presName="connTx" presStyleLbl="parChTrans1D2" presStyleIdx="0" presStyleCnt="3"/>
       <dgm:spPr/>
+      <dgm:t>
+        <a:bodyPr/>
+        <a:lstStyle/>
+        <a:p>
+          <a:endParaRPr lang="en-US"/>
+        </a:p>
+      </dgm:t>
     </dgm:pt>
     <dgm:pt modelId="{C8FA2575-5A29-694F-B87B-04745708588D}" type="pres">
       <dgm:prSet presAssocID="{CD58A5D5-EF68-9949-9827-C261FDD96D95}" presName="Name30" presStyleCnt="0"/>
@@ -2096,10 +2117,24 @@
     <dgm:pt modelId="{746E20DF-BA92-0345-885A-7F888819986E}" type="pres">
       <dgm:prSet presAssocID="{FCF2F647-A530-704F-86E3-C75A448F99AF}" presName="Name25" presStyleLbl="parChTrans1D3" presStyleIdx="0" presStyleCnt="3"/>
       <dgm:spPr/>
+      <dgm:t>
+        <a:bodyPr/>
+        <a:lstStyle/>
+        <a:p>
+          <a:endParaRPr lang="en-US"/>
+        </a:p>
+      </dgm:t>
     </dgm:pt>
     <dgm:pt modelId="{3D05CB80-21FD-2442-9C48-FC44DD3D060E}" type="pres">
       <dgm:prSet presAssocID="{FCF2F647-A530-704F-86E3-C75A448F99AF}" presName="connTx" presStyleLbl="parChTrans1D3" presStyleIdx="0" presStyleCnt="3"/>
       <dgm:spPr/>
+      <dgm:t>
+        <a:bodyPr/>
+        <a:lstStyle/>
+        <a:p>
+          <a:endParaRPr lang="en-US"/>
+        </a:p>
+      </dgm:t>
     </dgm:pt>
     <dgm:pt modelId="{F0186C6F-86E3-824C-A433-373CE467369B}" type="pres">
       <dgm:prSet presAssocID="{39F7CD78-78D0-4A4F-87F7-B3D65B44DC20}" presName="Name30" presStyleCnt="0"/>
@@ -2123,10 +2158,24 @@
     <dgm:pt modelId="{D0607AA7-9F2E-D844-9F7D-82439C620479}" type="pres">
       <dgm:prSet presAssocID="{8B3F06D4-2B14-AA47-9A9F-088E5FFD540B}" presName="Name25" presStyleLbl="parChTrans1D3" presStyleIdx="1" presStyleCnt="3"/>
       <dgm:spPr/>
+      <dgm:t>
+        <a:bodyPr/>
+        <a:lstStyle/>
+        <a:p>
+          <a:endParaRPr lang="en-US"/>
+        </a:p>
+      </dgm:t>
     </dgm:pt>
     <dgm:pt modelId="{DBB2C7E0-75C7-EE48-9749-85B6D730FB93}" type="pres">
       <dgm:prSet presAssocID="{8B3F06D4-2B14-AA47-9A9F-088E5FFD540B}" presName="connTx" presStyleLbl="parChTrans1D3" presStyleIdx="1" presStyleCnt="3"/>
       <dgm:spPr/>
+      <dgm:t>
+        <a:bodyPr/>
+        <a:lstStyle/>
+        <a:p>
+          <a:endParaRPr lang="en-US"/>
+        </a:p>
+      </dgm:t>
     </dgm:pt>
     <dgm:pt modelId="{86AEA0CA-7353-E041-8CA2-92D164AC168D}" type="pres">
       <dgm:prSet presAssocID="{75D2C0F6-04EE-AE4F-9C0A-E133DCDE059F}" presName="Name30" presStyleCnt="0"/>
@@ -2150,10 +2199,24 @@
     <dgm:pt modelId="{6862E662-F7F0-2145-9C24-C5165BF67E5D}" type="pres">
       <dgm:prSet presAssocID="{68DFFFA5-F822-B447-8D96-E4992B1B3801}" presName="Name25" presStyleLbl="parChTrans1D3" presStyleIdx="2" presStyleCnt="3"/>
       <dgm:spPr/>
+      <dgm:t>
+        <a:bodyPr/>
+        <a:lstStyle/>
+        <a:p>
+          <a:endParaRPr lang="en-US"/>
+        </a:p>
+      </dgm:t>
     </dgm:pt>
     <dgm:pt modelId="{1CA69D47-A977-DC41-BD13-0A9DEC1BD3DB}" type="pres">
       <dgm:prSet presAssocID="{68DFFFA5-F822-B447-8D96-E4992B1B3801}" presName="connTx" presStyleLbl="parChTrans1D3" presStyleIdx="2" presStyleCnt="3"/>
       <dgm:spPr/>
+      <dgm:t>
+        <a:bodyPr/>
+        <a:lstStyle/>
+        <a:p>
+          <a:endParaRPr lang="en-US"/>
+        </a:p>
+      </dgm:t>
     </dgm:pt>
     <dgm:pt modelId="{28AD3D1F-6F4C-6649-8ED3-DE6252C0F28F}" type="pres">
       <dgm:prSet presAssocID="{9268DFDE-D96D-4D44-A55E-D9816B7B2339}" presName="Name30" presStyleCnt="0"/>
@@ -2177,10 +2240,24 @@
     <dgm:pt modelId="{884C81A3-82D2-504E-A9E7-661D9D4D1A8D}" type="pres">
       <dgm:prSet presAssocID="{10119654-60DB-4343-BF25-8E92AE543F7D}" presName="Name25" presStyleLbl="parChTrans1D2" presStyleIdx="1" presStyleCnt="3"/>
       <dgm:spPr/>
+      <dgm:t>
+        <a:bodyPr/>
+        <a:lstStyle/>
+        <a:p>
+          <a:endParaRPr lang="en-US"/>
+        </a:p>
+      </dgm:t>
     </dgm:pt>
     <dgm:pt modelId="{FC0F2799-B1E2-8E4E-9414-525FDA6D0A0B}" type="pres">
       <dgm:prSet presAssocID="{10119654-60DB-4343-BF25-8E92AE543F7D}" presName="connTx" presStyleLbl="parChTrans1D2" presStyleIdx="1" presStyleCnt="3"/>
       <dgm:spPr/>
+      <dgm:t>
+        <a:bodyPr/>
+        <a:lstStyle/>
+        <a:p>
+          <a:endParaRPr lang="en-US"/>
+        </a:p>
+      </dgm:t>
     </dgm:pt>
     <dgm:pt modelId="{07B9314E-041F-1648-9BB0-50DE961E8AE3}" type="pres">
       <dgm:prSet presAssocID="{CA190F7E-A724-724D-B21C-82BAA5BDF9CE}" presName="Name30" presStyleCnt="0"/>
@@ -2204,10 +2281,24 @@
     <dgm:pt modelId="{F8BC2DB8-75AC-DB41-A828-2E95F18484DB}" type="pres">
       <dgm:prSet presAssocID="{B93964CA-E6FF-074B-AF9C-B9EE2879B3D5}" presName="Name25" presStyleLbl="parChTrans1D2" presStyleIdx="2" presStyleCnt="3"/>
       <dgm:spPr/>
+      <dgm:t>
+        <a:bodyPr/>
+        <a:lstStyle/>
+        <a:p>
+          <a:endParaRPr lang="en-US"/>
+        </a:p>
+      </dgm:t>
     </dgm:pt>
     <dgm:pt modelId="{FDC85218-8D03-FC44-A8AD-FA9F8AFAC1D4}" type="pres">
       <dgm:prSet presAssocID="{B93964CA-E6FF-074B-AF9C-B9EE2879B3D5}" presName="connTx" presStyleLbl="parChTrans1D2" presStyleIdx="2" presStyleCnt="3"/>
       <dgm:spPr/>
+      <dgm:t>
+        <a:bodyPr/>
+        <a:lstStyle/>
+        <a:p>
+          <a:endParaRPr lang="en-US"/>
+        </a:p>
+      </dgm:t>
     </dgm:pt>
     <dgm:pt modelId="{73C698CB-42E5-3240-9FD3-55939A199BB4}" type="pres">
       <dgm:prSet presAssocID="{E93A5E2E-7836-FB48-A2F1-8EAE29E2319C}" presName="Name30" presStyleCnt="0"/>
@@ -2342,8 +2433,8 @@
   <dgm:cxnLst>
     <dgm:cxn modelId="{6CE600C2-694D-8341-8CE5-B01278001A93}" srcId="{CD58A5D5-EF68-9949-9827-C261FDD96D95}" destId="{39F7CD78-78D0-4A4F-87F7-B3D65B44DC20}" srcOrd="0" destOrd="0" parTransId="{FCF2F647-A530-704F-86E3-C75A448F99AF}" sibTransId="{7E59C9D4-0345-524F-9C18-F6EDA5B8ADA6}"/>
     <dgm:cxn modelId="{925BDC95-77F5-7647-AF79-2A1562BB7F61}" srcId="{CD58A5D5-EF68-9949-9827-C261FDD96D95}" destId="{75D2C0F6-04EE-AE4F-9C0A-E133DCDE059F}" srcOrd="1" destOrd="0" parTransId="{8B3F06D4-2B14-AA47-9A9F-088E5FFD540B}" sibTransId="{CAFFF348-D088-254F-A157-DEA365544481}"/>
+    <dgm:cxn modelId="{AECC1EA8-1DC4-474B-B98E-F650D4148550}" srcId="{19570616-89DF-984D-B557-9236F3BE5553}" destId="{B729BCE9-D2D8-B04B-82B5-635907F0F935}" srcOrd="3" destOrd="0" parTransId="{4FE1F329-CA4C-6740-BB4A-CEA7095E1E6A}" sibTransId="{97624633-2192-8E4A-871F-E9FBD6E2E92E}"/>
     <dgm:cxn modelId="{B26A310A-4B35-3D4D-87BB-766110D9C0C5}" type="presOf" srcId="{8B3F06D4-2B14-AA47-9A9F-088E5FFD540B}" destId="{D0607AA7-9F2E-D844-9F7D-82439C620479}" srcOrd="0" destOrd="0" presId="urn:microsoft.com/office/officeart/2005/8/layout/hierarchy5"/>
-    <dgm:cxn modelId="{AECC1EA8-1DC4-474B-B98E-F650D4148550}" srcId="{19570616-89DF-984D-B557-9236F3BE5553}" destId="{B729BCE9-D2D8-B04B-82B5-635907F0F935}" srcOrd="3" destOrd="0" parTransId="{4FE1F329-CA4C-6740-BB4A-CEA7095E1E6A}" sibTransId="{97624633-2192-8E4A-871F-E9FBD6E2E92E}"/>
     <dgm:cxn modelId="{250FDD57-5A3E-E24F-B872-FFC0F54B8703}" type="presOf" srcId="{75D2C0F6-04EE-AE4F-9C0A-E133DCDE059F}" destId="{2762E4A0-6064-4C46-BCA4-C6B787641ABE}" srcOrd="0" destOrd="0" presId="urn:microsoft.com/office/officeart/2005/8/layout/hierarchy5"/>
     <dgm:cxn modelId="{8B5430F1-EC11-DF47-8BAB-24FC3A58F0C6}" type="presOf" srcId="{FCF2F647-A530-704F-86E3-C75A448F99AF}" destId="{746E20DF-BA92-0345-885A-7F888819986E}" srcOrd="0" destOrd="0" presId="urn:microsoft.com/office/officeart/2005/8/layout/hierarchy5"/>
     <dgm:cxn modelId="{127C2208-1A19-9A43-B844-9472496BBA65}" type="presOf" srcId="{A195B8F1-B68A-6644-B11E-B86C2352D86D}" destId="{BA8E6088-08E5-8F4A-A21B-E1934DB2BD81}" srcOrd="1" destOrd="0" presId="urn:microsoft.com/office/officeart/2005/8/layout/hierarchy5"/>
@@ -2365,16 +2456,16 @@
     <dgm:cxn modelId="{6E4AA39C-5D1B-0049-8AC9-A0B07C421D98}" type="presOf" srcId="{B93964CA-E6FF-074B-AF9C-B9EE2879B3D5}" destId="{F8BC2DB8-75AC-DB41-A828-2E95F18484DB}" srcOrd="0" destOrd="0" presId="urn:microsoft.com/office/officeart/2005/8/layout/hierarchy5"/>
     <dgm:cxn modelId="{49D0E546-BE72-EC4E-BF50-6A9CAA0E65EF}" srcId="{A4ECE72E-9B3B-0945-8AB1-DB062F3386F5}" destId="{CA190F7E-A724-724D-B21C-82BAA5BDF9CE}" srcOrd="1" destOrd="0" parTransId="{10119654-60DB-4343-BF25-8E92AE543F7D}" sibTransId="{E098E12D-9DF3-C54B-A416-4899E12A420F}"/>
     <dgm:cxn modelId="{CC671536-6076-7242-9FAF-F64C68DE258A}" srcId="{19570616-89DF-984D-B557-9236F3BE5553}" destId="{EB4ECE0D-FA82-414E-A6AB-BFDC17E1645D}" srcOrd="1" destOrd="0" parTransId="{7C2770DE-B577-9B4D-BAC1-52DE2F1257E9}" sibTransId="{8589DA64-2A98-CB41-B54C-7729DBD0ECFA}"/>
+    <dgm:cxn modelId="{8D28BD76-3870-E240-88FC-A2FF98B3C354}" type="presOf" srcId="{68DFFFA5-F822-B447-8D96-E4992B1B3801}" destId="{1CA69D47-A977-DC41-BD13-0A9DEC1BD3DB}" srcOrd="1" destOrd="0" presId="urn:microsoft.com/office/officeart/2005/8/layout/hierarchy5"/>
     <dgm:cxn modelId="{2201E591-2CC1-E046-854F-FE672A3B26FC}" type="presOf" srcId="{E93A5E2E-7836-FB48-A2F1-8EAE29E2319C}" destId="{473D2140-468C-1445-B5E7-7EAD238C6045}" srcOrd="0" destOrd="0" presId="urn:microsoft.com/office/officeart/2005/8/layout/hierarchy5"/>
-    <dgm:cxn modelId="{8D28BD76-3870-E240-88FC-A2FF98B3C354}" type="presOf" srcId="{68DFFFA5-F822-B447-8D96-E4992B1B3801}" destId="{1CA69D47-A977-DC41-BD13-0A9DEC1BD3DB}" srcOrd="1" destOrd="0" presId="urn:microsoft.com/office/officeart/2005/8/layout/hierarchy5"/>
     <dgm:cxn modelId="{094C5B2C-3369-C841-BC5F-FCBE615FAAEA}" type="presOf" srcId="{68DFFFA5-F822-B447-8D96-E4992B1B3801}" destId="{6862E662-F7F0-2145-9C24-C5165BF67E5D}" srcOrd="0" destOrd="0" presId="urn:microsoft.com/office/officeart/2005/8/layout/hierarchy5"/>
     <dgm:cxn modelId="{815268DD-C07D-C34A-B21E-5C4B65795BA3}" type="presOf" srcId="{EB4ECE0D-FA82-414E-A6AB-BFDC17E1645D}" destId="{9AD0EFE8-22D7-374C-9F88-AA4FAC47DDF0}" srcOrd="1" destOrd="0" presId="urn:microsoft.com/office/officeart/2005/8/layout/hierarchy5"/>
     <dgm:cxn modelId="{B397C8F8-A1DF-6E4E-B008-C05489E939D6}" srcId="{19570616-89DF-984D-B557-9236F3BE5553}" destId="{E323FA9C-C5C0-FE4E-AB53-A24159A43B3E}" srcOrd="2" destOrd="0" parTransId="{449E8940-6874-D142-B1E6-C7811306AC5A}" sibTransId="{003AF259-212E-324D-92C4-218BB2F2CD71}"/>
     <dgm:cxn modelId="{CBE0927E-5574-954A-AEB2-CE480DC67076}" type="presOf" srcId="{19570616-89DF-984D-B557-9236F3BE5553}" destId="{45607BCA-3B07-2743-8173-D581C121F83A}" srcOrd="0" destOrd="0" presId="urn:microsoft.com/office/officeart/2005/8/layout/hierarchy5"/>
     <dgm:cxn modelId="{26E7517E-075C-0E4B-80A0-0D8D640513FF}" type="presOf" srcId="{8B3F06D4-2B14-AA47-9A9F-088E5FFD540B}" destId="{DBB2C7E0-75C7-EE48-9749-85B6D730FB93}" srcOrd="1" destOrd="0" presId="urn:microsoft.com/office/officeart/2005/8/layout/hierarchy5"/>
     <dgm:cxn modelId="{8B54C395-4E3C-2D4C-B2E0-435EFFB4AA5F}" type="presOf" srcId="{CA190F7E-A724-724D-B21C-82BAA5BDF9CE}" destId="{CFC7643E-9282-4946-9EB4-BB90158EDABA}" srcOrd="0" destOrd="0" presId="urn:microsoft.com/office/officeart/2005/8/layout/hierarchy5"/>
+    <dgm:cxn modelId="{5018B592-2311-9B47-8418-940E54C0DC50}" type="presOf" srcId="{B93964CA-E6FF-074B-AF9C-B9EE2879B3D5}" destId="{FDC85218-8D03-FC44-A8AD-FA9F8AFAC1D4}" srcOrd="1" destOrd="0" presId="urn:microsoft.com/office/officeart/2005/8/layout/hierarchy5"/>
     <dgm:cxn modelId="{9EA2BFF6-C3CA-6145-9B43-1A14BDF56A86}" type="presOf" srcId="{E323FA9C-C5C0-FE4E-AB53-A24159A43B3E}" destId="{DCF361DE-363C-844D-8EA0-8AA3855E8359}" srcOrd="1" destOrd="0" presId="urn:microsoft.com/office/officeart/2005/8/layout/hierarchy5"/>
-    <dgm:cxn modelId="{5018B592-2311-9B47-8418-940E54C0DC50}" type="presOf" srcId="{B93964CA-E6FF-074B-AF9C-B9EE2879B3D5}" destId="{FDC85218-8D03-FC44-A8AD-FA9F8AFAC1D4}" srcOrd="1" destOrd="0" presId="urn:microsoft.com/office/officeart/2005/8/layout/hierarchy5"/>
     <dgm:cxn modelId="{F16D16F4-EDDD-3949-919B-F77F0418DDD3}" type="presOf" srcId="{EB4ECE0D-FA82-414E-A6AB-BFDC17E1645D}" destId="{FCF4EF1B-EC6E-4145-9147-2467628C40B8}" srcOrd="0" destOrd="0" presId="urn:microsoft.com/office/officeart/2005/8/layout/hierarchy5"/>
     <dgm:cxn modelId="{B0265640-33DB-2245-8581-BBB11B300E45}" type="presParOf" srcId="{45607BCA-3B07-2743-8173-D581C121F83A}" destId="{62B57DB9-9BDC-D143-9A7D-0FA2DCF6CAD4}" srcOrd="0" destOrd="0" presId="urn:microsoft.com/office/officeart/2005/8/layout/hierarchy5"/>
     <dgm:cxn modelId="{008B00E6-FB01-9846-A653-F4862C93BEDD}" type="presParOf" srcId="{62B57DB9-9BDC-D143-9A7D-0FA2DCF6CAD4}" destId="{86DFB3DC-9912-D049-8231-CAD511924AA2}" srcOrd="0" destOrd="0" presId="urn:microsoft.com/office/officeart/2005/8/layout/hierarchy5"/>
@@ -2724,6 +2815,13 @@
         </dgm:presLayoutVars>
       </dgm:prSet>
       <dgm:spPr/>
+      <dgm:t>
+        <a:bodyPr/>
+        <a:lstStyle/>
+        <a:p>
+          <a:endParaRPr lang="en-US"/>
+        </a:p>
+      </dgm:t>
     </dgm:pt>
     <dgm:pt modelId="{725BF09A-1BCE-4A48-AC66-250B4913A6F5}" type="pres">
       <dgm:prSet presAssocID="{2EA86F9D-1087-5B4B-A655-F328C4EC56B2}" presName="boxAndChildren" presStyleCnt="0"/>
@@ -2789,6 +2887,13 @@
     <dgm:pt modelId="{3FC8A2EF-171C-044E-9B7D-045A377D1C41}" type="pres">
       <dgm:prSet presAssocID="{70008B83-4A74-5E41-9C16-9BA5AE279D70}" presName="parentTextArrow" presStyleLbl="node1" presStyleIdx="3" presStyleCnt="5"/>
       <dgm:spPr/>
+      <dgm:t>
+        <a:bodyPr/>
+        <a:lstStyle/>
+        <a:p>
+          <a:endParaRPr lang="en-US"/>
+        </a:p>
+      </dgm:t>
     </dgm:pt>
     <dgm:pt modelId="{06F36796-A599-3447-BCFB-3560E14F5659}" type="pres">
       <dgm:prSet presAssocID="{B3882DB4-86CC-A64D-B290-10EFA766EB8C}" presName="sp" presStyleCnt="0"/>
@@ -2816,8 +2921,8 @@
     <dgm:cxn modelId="{F5A30A5E-1CD0-D549-86B1-30E237ED892F}" type="presOf" srcId="{FEDD27CC-B6BB-7F46-A635-1D42B1A8090E}" destId="{30DA215E-4C14-8D4E-A9BA-83830DDBD4D0}" srcOrd="0" destOrd="0" presId="urn:microsoft.com/office/officeart/2005/8/layout/process4"/>
     <dgm:cxn modelId="{6773DC83-D885-9C43-BFEA-6F333EDDAAF5}" srcId="{9C92C585-8F4E-1247-85E5-5C066441AF5E}" destId="{FEDD27CC-B6BB-7F46-A635-1D42B1A8090E}" srcOrd="0" destOrd="0" parTransId="{2F477258-B11B-EC4E-A99F-648C45A3C2EE}" sibTransId="{B3882DB4-86CC-A64D-B290-10EFA766EB8C}"/>
     <dgm:cxn modelId="{75FCA9F8-B685-2641-AB35-2D2FC299A6AF}" type="presOf" srcId="{9C92C585-8F4E-1247-85E5-5C066441AF5E}" destId="{BDF4D9B6-C72A-E448-A9D4-EC98AEAEA371}" srcOrd="0" destOrd="0" presId="urn:microsoft.com/office/officeart/2005/8/layout/process4"/>
+    <dgm:cxn modelId="{3A3D13F1-8899-1844-BA86-609BB0E0487E}" type="presOf" srcId="{2EA86F9D-1087-5B4B-A655-F328C4EC56B2}" destId="{7AAA0AAA-9B51-7444-9736-1EB763A11865}" srcOrd="0" destOrd="0" presId="urn:microsoft.com/office/officeart/2005/8/layout/process4"/>
     <dgm:cxn modelId="{A0D40FBB-DB5C-E140-A004-9D03D773E39C}" srcId="{9C92C585-8F4E-1247-85E5-5C066441AF5E}" destId="{70008B83-4A74-5E41-9C16-9BA5AE279D70}" srcOrd="1" destOrd="0" parTransId="{91FD212D-909E-8B4B-B52B-5BB210C328CB}" sibTransId="{A048423C-D565-E446-B229-E477F3D2B5D1}"/>
-    <dgm:cxn modelId="{3A3D13F1-8899-1844-BA86-609BB0E0487E}" type="presOf" srcId="{2EA86F9D-1087-5B4B-A655-F328C4EC56B2}" destId="{7AAA0AAA-9B51-7444-9736-1EB763A11865}" srcOrd="0" destOrd="0" presId="urn:microsoft.com/office/officeart/2005/8/layout/process4"/>
     <dgm:cxn modelId="{DFDAB058-BA34-1942-8C2B-B4BE0188C0A2}" type="presOf" srcId="{6C8ACF40-A50A-5A44-8938-55A927567EB7}" destId="{5840F4AC-8714-6341-8B76-BBD476383932}" srcOrd="0" destOrd="0" presId="urn:microsoft.com/office/officeart/2005/8/layout/process4"/>
     <dgm:cxn modelId="{4F32D61F-53D5-D44A-9A60-15A111793118}" type="presOf" srcId="{70008B83-4A74-5E41-9C16-9BA5AE279D70}" destId="{3FC8A2EF-171C-044E-9B7D-045A377D1C41}" srcOrd="0" destOrd="0" presId="urn:microsoft.com/office/officeart/2005/8/layout/process4"/>
     <dgm:cxn modelId="{CE097EDF-D8FD-9847-8A1D-016C0F850A8E}" srcId="{9C92C585-8F4E-1247-85E5-5C066441AF5E}" destId="{2EA86F9D-1087-5B4B-A655-F328C4EC56B2}" srcOrd="4" destOrd="0" parTransId="{0B7B0E17-5B51-0945-84FC-8878A3A1B5E2}" sibTransId="{C65BBDE8-334E-4B45-B632-CD1572FEC523}"/>
@@ -7707,7 +7812,7 @@
           <a:p>
             <a:fld id="{51D2029B-08E6-F34D-B6DA-512443B03769}" type="datetimeFigureOut">
               <a:rPr lang="en-US" smtClean="0"/>
-              <a:t>1/15/16</a:t>
+              <a:t>1/17/16</a:t>
             </a:fld>
             <a:endParaRPr lang="en-US"/>
           </a:p>
@@ -8530,7 +8635,7 @@
             <a:fld id="{23A271A1-F6D6-438B-A432-4747EE7ECD40}" type="datetimeFigureOut">
               <a:rPr lang="en-US" smtClean="0"/>
               <a:pPr algn="ctr" eaLnBrk="1" latinLnBrk="0" hangingPunct="1"/>
-              <a:t>1/14/16</a:t>
+              <a:t>1/17/16</a:t>
             </a:fld>
             <a:endParaRPr lang="en-US" sz="2000" dirty="0">
               <a:solidFill>
@@ -8712,7 +8817,7 @@
             <a:fld id="{23A271A1-F6D6-438B-A432-4747EE7ECD40}" type="datetimeFigureOut">
               <a:rPr lang="en-US" smtClean="0"/>
               <a:pPr eaLnBrk="1" latinLnBrk="0" hangingPunct="1"/>
-              <a:t>1/14/16</a:t>
+              <a:t>1/17/16</a:t>
             </a:fld>
             <a:endParaRPr lang="en-US"/>
           </a:p>
@@ -8895,7 +9000,7 @@
             <a:fld id="{23A271A1-F6D6-438B-A432-4747EE7ECD40}" type="datetimeFigureOut">
               <a:rPr lang="en-US" smtClean="0"/>
               <a:pPr eaLnBrk="1" latinLnBrk="0" hangingPunct="1"/>
-              <a:t>1/14/16</a:t>
+              <a:t>1/17/16</a:t>
             </a:fld>
             <a:endParaRPr lang="en-US" dirty="0"/>
           </a:p>
@@ -9068,7 +9173,7 @@
             <a:fld id="{23A271A1-F6D6-438B-A432-4747EE7ECD40}" type="datetimeFigureOut">
               <a:rPr lang="en-US" smtClean="0"/>
               <a:pPr eaLnBrk="1" latinLnBrk="0" hangingPunct="1"/>
-              <a:t>1/14/16</a:t>
+              <a:t>1/17/16</a:t>
             </a:fld>
             <a:endParaRPr lang="en-US" dirty="0"/>
           </a:p>
@@ -9321,7 +9426,7 @@
             <a:fld id="{23A271A1-F6D6-438B-A432-4747EE7ECD40}" type="datetimeFigureOut">
               <a:rPr lang="en-US" smtClean="0"/>
               <a:pPr eaLnBrk="1" latinLnBrk="0" hangingPunct="1"/>
-              <a:t>1/14/16</a:t>
+              <a:t>1/17/16</a:t>
             </a:fld>
             <a:endParaRPr lang="en-US"/>
           </a:p>
@@ -9617,7 +9722,7 @@
             <a:fld id="{23A271A1-F6D6-438B-A432-4747EE7ECD40}" type="datetimeFigureOut">
               <a:rPr lang="en-US" smtClean="0"/>
               <a:pPr eaLnBrk="1" latinLnBrk="0" hangingPunct="1"/>
-              <a:t>1/14/16</a:t>
+              <a:t>1/17/16</a:t>
             </a:fld>
             <a:endParaRPr lang="en-US"/>
           </a:p>
@@ -10043,7 +10148,7 @@
             <a:fld id="{23A271A1-F6D6-438B-A432-4747EE7ECD40}" type="datetimeFigureOut">
               <a:rPr lang="en-US" smtClean="0"/>
               <a:pPr eaLnBrk="1" latinLnBrk="0" hangingPunct="1"/>
-              <a:t>1/14/16</a:t>
+              <a:t>1/17/16</a:t>
             </a:fld>
             <a:endParaRPr lang="en-US"/>
           </a:p>
@@ -10165,7 +10270,7 @@
             <a:fld id="{23A271A1-F6D6-438B-A432-4747EE7ECD40}" type="datetimeFigureOut">
               <a:rPr lang="en-US" smtClean="0"/>
               <a:pPr eaLnBrk="1" latinLnBrk="0" hangingPunct="1"/>
-              <a:t>1/14/16</a:t>
+              <a:t>1/17/16</a:t>
             </a:fld>
             <a:endParaRPr lang="en-US"/>
           </a:p>
@@ -10267,7 +10372,7 @@
             <a:fld id="{23A271A1-F6D6-438B-A432-4747EE7ECD40}" type="datetimeFigureOut">
               <a:rPr lang="en-US" smtClean="0"/>
               <a:pPr eaLnBrk="1" latinLnBrk="0" hangingPunct="1"/>
-              <a:t>1/14/16</a:t>
+              <a:t>1/17/16</a:t>
             </a:fld>
             <a:endParaRPr lang="en-US"/>
           </a:p>
@@ -10551,7 +10656,7 @@
             <a:fld id="{23A271A1-F6D6-438B-A432-4747EE7ECD40}" type="datetimeFigureOut">
               <a:rPr lang="en-US" smtClean="0"/>
               <a:pPr eaLnBrk="1" latinLnBrk="0" hangingPunct="1"/>
-              <a:t>1/14/16</a:t>
+              <a:t>1/17/16</a:t>
             </a:fld>
             <a:endParaRPr lang="en-US"/>
           </a:p>
@@ -10807,7 +10912,7 @@
             <a:fld id="{23A271A1-F6D6-438B-A432-4747EE7ECD40}" type="datetimeFigureOut">
               <a:rPr lang="en-US" smtClean="0"/>
               <a:pPr eaLnBrk="1" latinLnBrk="0" hangingPunct="1"/>
-              <a:t>1/14/16</a:t>
+              <a:t>1/17/16</a:t>
             </a:fld>
             <a:endParaRPr lang="en-US"/>
           </a:p>
@@ -11024,7 +11129,7 @@
             <a:fld id="{23A271A1-F6D6-438B-A432-4747EE7ECD40}" type="datetimeFigureOut">
               <a:rPr lang="en-US" smtClean="0"/>
               <a:pPr eaLnBrk="1" latinLnBrk="0" hangingPunct="1"/>
-              <a:t>1/14/16</a:t>
+              <a:t>1/17/16</a:t>
             </a:fld>
             <a:endParaRPr lang="en-US" sz="1400" dirty="0">
               <a:solidFill>
@@ -11495,7 +11600,7 @@
                 <a:latin typeface="Arial"/>
                 <a:cs typeface="Arial"/>
               </a:rPr>
-              <a:t>Whom To Follow!</a:t>
+              <a:t>Follow Who?</a:t>
             </a:r>
             <a:endParaRPr lang="en-US" sz="4000" dirty="0">
               <a:solidFill>
@@ -11537,14 +11642,7 @@
                 <a:latin typeface="Arial"/>
                 <a:cs typeface="Arial"/>
               </a:rPr>
-              <a:t>Discover</a:t>
-            </a:r>
-            <a:r>
-              <a:rPr lang="en-US" dirty="0" smtClean="0">
-                <a:latin typeface="Arial"/>
-                <a:cs typeface="Arial"/>
-              </a:rPr>
-              <a:t> High Quality Content on Twitter</a:t>
+              <a:t>Discover High Quality Content on Twitter</a:t>
             </a:r>
           </a:p>
           <a:p>
@@ -11948,7 +12046,21 @@
                 <a:latin typeface="Arial"/>
                 <a:cs typeface="Arial"/>
               </a:rPr>
-              <a:t>Non-content (conversations) occur Twitter</a:t>
+              <a:t>Non-content </a:t>
+            </a:r>
+            <a:r>
+              <a:rPr lang="en-US" sz="2800" dirty="0" smtClean="0">
+                <a:latin typeface="Arial"/>
+                <a:cs typeface="Arial"/>
+              </a:rPr>
+              <a:t>occurs </a:t>
+            </a:r>
+            <a:r>
+              <a:rPr lang="en-US" sz="2800" dirty="0" smtClean="0">
+                <a:latin typeface="Arial"/>
+                <a:cs typeface="Arial"/>
+              </a:rPr>
+              <a:t>Twitter</a:t>
             </a:r>
           </a:p>
           <a:p>
@@ -12378,7 +12490,7 @@
         <p:spPr/>
         <p:txBody>
           <a:bodyPr>
-            <a:normAutofit fontScale="90000"/>
+            <a:normAutofit/>
           </a:bodyPr>
           <a:lstStyle/>
           <a:p>
@@ -12387,7 +12499,7 @@
                 <a:latin typeface="Arial"/>
                 <a:cs typeface="Arial"/>
               </a:rPr>
-              <a:t>Result: Content &amp; Graph Recommender</a:t>
+              <a:t>Recommender based on Graph &amp; NLP</a:t>
             </a:r>
             <a:endParaRPr lang="en-US" sz="3600" dirty="0">
               <a:latin typeface="Arial"/>
@@ -12463,7 +12575,7 @@
         <p:spPr>
           <a:xfrm>
             <a:off x="677334" y="4859867"/>
-            <a:ext cx="1456266" cy="646331"/>
+            <a:ext cx="1456266" cy="923330"/>
           </a:xfrm>
           <a:prstGeom prst="rect">
             <a:avLst/>
@@ -12478,7 +12590,7 @@
           <a:p>
             <a:r>
               <a:rPr lang="en-US" dirty="0" smtClean="0"/>
-              <a:t>Fill with actual result</a:t>
+              <a:t>Recommends People to Follow</a:t>
             </a:r>
             <a:endParaRPr lang="en-US" dirty="0"/>
           </a:p>
@@ -12852,7 +12964,19 @@
             </a:pPr>
             <a:r>
               <a:rPr lang="en-US" sz="2800" dirty="0" smtClean="0"/>
-              <a:t>Intermediate result: People with a high probability of quality</a:t>
+              <a:t>Intermediate </a:t>
+            </a:r>
+            <a:r>
+              <a:rPr lang="en-US" sz="2800" dirty="0" smtClean="0"/>
+              <a:t>result</a:t>
+            </a:r>
+            <a:r>
+              <a:rPr lang="en-US" sz="2800" dirty="0" smtClean="0"/>
+              <a:t>: </a:t>
+            </a:r>
+            <a:r>
+              <a:rPr lang="en-US" sz="2800" dirty="0" smtClean="0"/>
+              <a:t>People with a high probability of quality</a:t>
             </a:r>
             <a:endParaRPr lang="en-US" sz="2800" dirty="0"/>
           </a:p>
@@ -13148,38 +13272,8 @@
         </p:blipFill>
         <p:spPr>
           <a:xfrm>
-            <a:off x="2999549" y="2922994"/>
+            <a:off x="3029081" y="3602322"/>
             <a:ext cx="1066804" cy="1331264"/>
-          </a:xfrm>
-          <a:prstGeom prst="rect">
-            <a:avLst/>
-          </a:prstGeom>
-        </p:spPr>
-      </p:pic>
-      <p:pic>
-        <p:nvPicPr>
-          <p:cNvPr id="10" name="Picture 9" descr="postgresql_-_Google_Search.png"/>
-          <p:cNvPicPr>
-            <a:picLocks noChangeAspect="1"/>
-          </p:cNvPicPr>
-          <p:nvPr/>
-        </p:nvPicPr>
-        <p:blipFill>
-          <a:blip r:embed="rId4">
-            <a:extLst>
-              <a:ext uri="{28A0092B-C50C-407E-A947-70E740481C1C}">
-                <a14:useLocalDpi xmlns:a14="http://schemas.microsoft.com/office/drawing/2010/main" val="0"/>
-              </a:ext>
-            </a:extLst>
-          </a:blip>
-          <a:stretch>
-            <a:fillRect/>
-          </a:stretch>
-        </p:blipFill>
-        <p:spPr>
-          <a:xfrm>
-            <a:off x="2790796" y="4787658"/>
-            <a:ext cx="1484309" cy="1325276"/>
           </a:xfrm>
           <a:prstGeom prst="rect">
             <a:avLst/>
@@ -13226,7 +13320,7 @@
         </p:nvSpPr>
         <p:spPr>
           <a:xfrm>
-            <a:off x="2175372" y="6350000"/>
+            <a:off x="2175372" y="5081147"/>
             <a:ext cx="2664335" cy="369333"/>
           </a:xfrm>
           <a:prstGeom prst="rect">
@@ -13341,42 +13435,6 @@
           </a:p>
         </p:txBody>
       </p:sp>
-      <p:cxnSp>
-        <p:nvCxnSpPr>
-          <p:cNvPr id="18" name="Straight Arrow Connector 17"/>
-          <p:cNvCxnSpPr>
-            <a:stCxn id="9" idx="2"/>
-            <a:endCxn id="10" idx="0"/>
-          </p:cNvCxnSpPr>
-          <p:nvPr/>
-        </p:nvCxnSpPr>
-        <p:spPr>
-          <a:xfrm>
-            <a:off x="3532951" y="4254258"/>
-            <a:ext cx="0" cy="533400"/>
-          </a:xfrm>
-          <a:prstGeom prst="straightConnector1">
-            <a:avLst/>
-          </a:prstGeom>
-          <a:ln>
-            <a:tailEnd type="arrow"/>
-          </a:ln>
-        </p:spPr>
-        <p:style>
-          <a:lnRef idx="2">
-            <a:schemeClr val="accent1"/>
-          </a:lnRef>
-          <a:fillRef idx="0">
-            <a:schemeClr val="accent1"/>
-          </a:fillRef>
-          <a:effectRef idx="1">
-            <a:schemeClr val="accent1"/>
-          </a:effectRef>
-          <a:fontRef idx="minor">
-            <a:schemeClr val="tx1"/>
-          </a:fontRef>
-        </p:style>
-      </p:cxnSp>
       <p:sp>
         <p:nvSpPr>
           <p:cNvPr id="23" name="Rectangle 22"/>
@@ -13891,14 +13949,14 @@
             <p:ph idx="1"/>
             <p:extLst>
               <p:ext uri="{D42A27DB-BD31-4B8C-83A1-F6EECF244321}">
-                <p14:modId xmlns:p14="http://schemas.microsoft.com/office/powerpoint/2010/main" val="709308856"/>
+                <p14:modId xmlns:p14="http://schemas.microsoft.com/office/powerpoint/2010/main" val="224442876"/>
               </p:ext>
             </p:extLst>
           </p:nvPr>
         </p:nvGraphicFramePr>
         <p:xfrm>
           <a:off x="474133" y="1464736"/>
-          <a:ext cx="8229600" cy="4883150"/>
+          <a:ext cx="8229600" cy="4109644"/>
         </p:xfrm>
         <a:graphic>
           <a:graphicData uri="http://schemas.openxmlformats.org/drawingml/2006/table">
@@ -13925,7 +13983,7 @@
                   <a:tcPr/>
                 </a:tc>
               </a:tr>
-              <a:tr h="431800">
+              <a:tr h="629195">
                 <a:tc>
                   <a:txBody>
                     <a:bodyPr/>
@@ -13941,16 +13999,13 @@
                       </a:r>
                       <a:r>
                         <a:rPr lang="en-US" sz="2800" baseline="0" dirty="0" smtClean="0"/>
-                        <a:t> and A/B Testing</a:t>
+                        <a:t> and A/B </a:t>
+                      </a:r>
+                      <a:r>
+                        <a:rPr lang="en-US" sz="2800" baseline="0" dirty="0" smtClean="0"/>
+                        <a:t>Testing</a:t>
                       </a:r>
                       <a:endParaRPr lang="en-US" sz="2800" dirty="0" smtClean="0"/>
-                    </a:p>
-                    <a:p>
-                      <a:pPr marL="0" indent="0">
-                        <a:buFont typeface="Arial"/>
-                        <a:buNone/>
-                      </a:pPr>
-                      <a:endParaRPr lang="en-US" sz="2400" dirty="0"/>
                     </a:p>
                   </a:txBody>
                   <a:tcPr/>
@@ -13976,7 +14031,7 @@
                   <a:tcPr/>
                 </a:tc>
               </a:tr>
-              <a:tr h="1073150">
+              <a:tr h="554369">
                 <a:tc>
                   <a:txBody>
                     <a:bodyPr/>
@@ -13988,23 +14043,17 @@
                       </a:pPr>
                       <a:r>
                         <a:rPr lang="en-US" sz="2400" dirty="0" smtClean="0"/>
-                        <a:t>Page</a:t>
+                        <a:t>“Page</a:t>
                       </a:r>
                       <a:r>
                         <a:rPr lang="en-US" sz="2400" baseline="0" dirty="0" smtClean="0"/>
-                        <a:t>Rank</a:t>
+                        <a:t>Rank” for </a:t>
                       </a:r>
-                    </a:p>
-                    <a:p>
-                      <a:pPr marL="285750" indent="-285750">
-                        <a:buFont typeface="Arial"/>
-                        <a:buChar char="•"/>
-                      </a:pPr>
                       <a:r>
-                        <a:rPr lang="en-US" sz="2400" baseline="0" dirty="0" smtClean="0"/>
-                        <a:t>Word2vec</a:t>
+                        <a:rPr lang="en-US" sz="2400" baseline="0" dirty="0" err="1" smtClean="0"/>
+                        <a:t>Retweets</a:t>
                       </a:r>
-                      <a:endParaRPr lang="en-US" sz="2400" dirty="0"/>
+                      <a:endParaRPr lang="en-US" sz="2400" baseline="0" dirty="0" smtClean="0"/>
                     </a:p>
                   </a:txBody>
                   <a:tcPr/>
@@ -14047,18 +14096,18 @@
                         <a:buChar char="•"/>
                       </a:pPr>
                       <a:r>
-                        <a:rPr lang="en-US" sz="2400" dirty="0" smtClean="0"/>
-                        <a:t>Movies</a:t>
+                        <a:rPr lang="en-US" sz="2400" baseline="0" dirty="0" smtClean="0"/>
+                        <a:t>Music</a:t>
                       </a:r>
                     </a:p>
                     <a:p>
-                      <a:pPr marL="285750" indent="-285750">
+                      <a:pPr marL="342900" indent="-342900">
                         <a:buFont typeface="Arial"/>
                         <a:buChar char="•"/>
                       </a:pPr>
                       <a:r>
-                        <a:rPr lang="en-US" sz="2400" dirty="0" smtClean="0"/>
-                        <a:t>Books</a:t>
+                        <a:rPr lang="en-US" sz="2400" baseline="0" dirty="0" smtClean="0"/>
+                        <a:t>TV Shows</a:t>
                       </a:r>
                       <a:endParaRPr lang="en-US" sz="2400" baseline="0" dirty="0" smtClean="0"/>
                     </a:p>

--- a/capstone_presentation.pptx
+++ b/capstone_presentation.pptx
@@ -5,7 +5,7 @@
     <p:sldMasterId id="2147484017" r:id="rId1"/>
   </p:sldMasterIdLst>
   <p:notesMasterIdLst>
-    <p:notesMasterId r:id="rId12"/>
+    <p:notesMasterId r:id="rId13"/>
   </p:notesMasterIdLst>
   <p:sldIdLst>
     <p:sldId id="256" r:id="rId2"/>
@@ -16,8 +16,9 @@
     <p:sldId id="263" r:id="rId7"/>
     <p:sldId id="260" r:id="rId8"/>
     <p:sldId id="264" r:id="rId9"/>
-    <p:sldId id="261" r:id="rId10"/>
-    <p:sldId id="265" r:id="rId11"/>
+    <p:sldId id="266" r:id="rId10"/>
+    <p:sldId id="261" r:id="rId11"/>
+    <p:sldId id="265" r:id="rId12"/>
   </p:sldIdLst>
   <p:sldSz cx="9144000" cy="6858000" type="screen4x3"/>
   <p:notesSz cx="6858000" cy="9144000"/>
@@ -8433,7 +8434,7 @@
           <a:p>
             <a:fld id="{25C5C581-C732-324E-901A-C1C74FB9D10F}" type="slidenum">
               <a:rPr lang="en-US" smtClean="0"/>
-              <a:t>9</a:t>
+              <a:t>10</a:t>
             </a:fld>
             <a:endParaRPr lang="en-US"/>
           </a:p>
@@ -11600,7 +11601,7 @@
                 <a:latin typeface="Arial"/>
                 <a:cs typeface="Arial"/>
               </a:rPr>
-              <a:t>Follow Who?</a:t>
+              <a:t>Who-To-Follow</a:t>
             </a:r>
             <a:endParaRPr lang="en-US" sz="4000" dirty="0">
               <a:solidFill>
@@ -11735,6 +11736,246 @@
           <a:p>
             <a:r>
               <a:rPr lang="en-US" dirty="0" smtClean="0"/>
+              <a:t>Further Work</a:t>
+            </a:r>
+            <a:endParaRPr lang="en-US" dirty="0"/>
+          </a:p>
+        </p:txBody>
+      </p:sp>
+      <p:graphicFrame>
+        <p:nvGraphicFramePr>
+          <p:cNvPr id="4" name="Content Placeholder 3"/>
+          <p:cNvGraphicFramePr>
+            <a:graphicFrameLocks noGrp="1"/>
+          </p:cNvGraphicFramePr>
+          <p:nvPr>
+            <p:ph idx="1"/>
+            <p:extLst>
+              <p:ext uri="{D42A27DB-BD31-4B8C-83A1-F6EECF244321}">
+                <p14:modId xmlns:p14="http://schemas.microsoft.com/office/powerpoint/2010/main" val="224442876"/>
+              </p:ext>
+            </p:extLst>
+          </p:nvPr>
+        </p:nvGraphicFramePr>
+        <p:xfrm>
+          <a:off x="474133" y="1464736"/>
+          <a:ext cx="8229600" cy="4109644"/>
+        </p:xfrm>
+        <a:graphic>
+          <a:graphicData uri="http://schemas.openxmlformats.org/drawingml/2006/table">
+            <a:tbl>
+              <a:tblPr firstRow="1" bandRow="1">
+                <a:tableStyleId>{BC89EF96-8CEA-46FF-86C4-4CE0E7609802}</a:tableStyleId>
+              </a:tblPr>
+              <a:tblGrid>
+                <a:gridCol w="8229600"/>
+              </a:tblGrid>
+              <a:tr h="431800">
+                <a:tc>
+                  <a:txBody>
+                    <a:bodyPr/>
+                    <a:lstStyle/>
+                    <a:p>
+                      <a:r>
+                        <a:rPr lang="en-US" sz="3200" dirty="0" smtClean="0"/>
+                        <a:t>User Testing</a:t>
+                      </a:r>
+                      <a:endParaRPr lang="en-US" sz="3200" dirty="0"/>
+                    </a:p>
+                  </a:txBody>
+                  <a:tcPr/>
+                </a:tc>
+              </a:tr>
+              <a:tr h="629195">
+                <a:tc>
+                  <a:txBody>
+                    <a:bodyPr/>
+                    <a:lstStyle/>
+                    <a:p>
+                      <a:pPr marL="457200" indent="-457200">
+                        <a:buFont typeface="Arial"/>
+                        <a:buChar char="•"/>
+                      </a:pPr>
+                      <a:r>
+                        <a:rPr lang="en-US" sz="2800" dirty="0" smtClean="0"/>
+                        <a:t>Feedback</a:t>
+                      </a:r>
+                      <a:r>
+                        <a:rPr lang="en-US" sz="2800" baseline="0" dirty="0" smtClean="0"/>
+                        <a:t> and A/B </a:t>
+                      </a:r>
+                      <a:r>
+                        <a:rPr lang="en-US" sz="2800" baseline="0" dirty="0" smtClean="0"/>
+                        <a:t>Testing</a:t>
+                      </a:r>
+                      <a:endParaRPr lang="en-US" sz="2800" dirty="0" smtClean="0"/>
+                    </a:p>
+                  </a:txBody>
+                  <a:tcPr/>
+                </a:tc>
+              </a:tr>
+              <a:tr h="431800">
+                <a:tc>
+                  <a:txBody>
+                    <a:bodyPr/>
+                    <a:lstStyle/>
+                    <a:p>
+                      <a:r>
+                        <a:rPr lang="en-US" sz="3200" b="1" dirty="0" smtClean="0"/>
+                        <a:t>Refining</a:t>
+                      </a:r>
+                      <a:r>
+                        <a:rPr lang="en-US" sz="3200" b="1" baseline="0" dirty="0" smtClean="0"/>
+                        <a:t> the Model</a:t>
+                      </a:r>
+                      <a:endParaRPr lang="en-US" sz="3200" b="1" dirty="0"/>
+                    </a:p>
+                  </a:txBody>
+                  <a:tcPr/>
+                </a:tc>
+              </a:tr>
+              <a:tr h="554369">
+                <a:tc>
+                  <a:txBody>
+                    <a:bodyPr/>
+                    <a:lstStyle/>
+                    <a:p>
+                      <a:pPr marL="285750" indent="-285750">
+                        <a:buFont typeface="Arial"/>
+                        <a:buChar char="•"/>
+                      </a:pPr>
+                      <a:r>
+                        <a:rPr lang="en-US" sz="2400" dirty="0" smtClean="0"/>
+                        <a:t>“Page</a:t>
+                      </a:r>
+                      <a:r>
+                        <a:rPr lang="en-US" sz="2400" baseline="0" dirty="0" smtClean="0"/>
+                        <a:t>Rank” for </a:t>
+                      </a:r>
+                      <a:r>
+                        <a:rPr lang="en-US" sz="2400" baseline="0" dirty="0" err="1" smtClean="0"/>
+                        <a:t>Retweets</a:t>
+                      </a:r>
+                      <a:endParaRPr lang="en-US" sz="2400" baseline="0" dirty="0" smtClean="0"/>
+                    </a:p>
+                  </a:txBody>
+                  <a:tcPr/>
+                </a:tc>
+              </a:tr>
+              <a:tr h="484717">
+                <a:tc>
+                  <a:txBody>
+                    <a:bodyPr/>
+                    <a:lstStyle/>
+                    <a:p>
+                      <a:r>
+                        <a:rPr lang="en-US" sz="3200" b="1" dirty="0" smtClean="0"/>
+                        <a:t>Broader Applications</a:t>
+                      </a:r>
+                      <a:endParaRPr lang="en-US" sz="3200" b="1" dirty="0"/>
+                    </a:p>
+                  </a:txBody>
+                  <a:tcPr/>
+                </a:tc>
+              </a:tr>
+              <a:tr h="1073150">
+                <a:tc>
+                  <a:txBody>
+                    <a:bodyPr/>
+                    <a:lstStyle/>
+                    <a:p>
+                      <a:pPr marL="342900" indent="-342900">
+                        <a:buFont typeface="Arial"/>
+                        <a:buChar char="•"/>
+                      </a:pPr>
+                      <a:r>
+                        <a:rPr lang="en-US" sz="2400" dirty="0" smtClean="0"/>
+                        <a:t>News</a:t>
+                      </a:r>
+                    </a:p>
+                    <a:p>
+                      <a:pPr marL="342900" indent="-342900">
+                        <a:buFont typeface="Arial"/>
+                        <a:buChar char="•"/>
+                      </a:pPr>
+                      <a:r>
+                        <a:rPr lang="en-US" sz="2400" baseline="0" dirty="0" smtClean="0"/>
+                        <a:t>Music</a:t>
+                      </a:r>
+                    </a:p>
+                    <a:p>
+                      <a:pPr marL="342900" indent="-342900">
+                        <a:buFont typeface="Arial"/>
+                        <a:buChar char="•"/>
+                      </a:pPr>
+                      <a:r>
+                        <a:rPr lang="en-US" sz="2400" baseline="0" dirty="0" smtClean="0"/>
+                        <a:t>TV Shows</a:t>
+                      </a:r>
+                      <a:endParaRPr lang="en-US" sz="2400" baseline="0" dirty="0" smtClean="0"/>
+                    </a:p>
+                  </a:txBody>
+                  <a:tcPr/>
+                </a:tc>
+              </a:tr>
+            </a:tbl>
+          </a:graphicData>
+        </a:graphic>
+      </p:graphicFrame>
+    </p:spTree>
+    <p:extLst>
+      <p:ext uri="{BB962C8B-B14F-4D97-AF65-F5344CB8AC3E}">
+        <p14:creationId xmlns:p14="http://schemas.microsoft.com/office/powerpoint/2010/main" val="3838492080"/>
+      </p:ext>
+    </p:extLst>
+  </p:cSld>
+  <p:clrMapOvr>
+    <a:masterClrMapping/>
+  </p:clrMapOvr>
+  <p:timing>
+    <p:tnLst>
+      <p:par>
+        <p:cTn xmlns:p14="http://schemas.microsoft.com/office/powerpoint/2010/main" id="1" dur="indefinite" restart="never" nodeType="tmRoot"/>
+      </p:par>
+    </p:tnLst>
+  </p:timing>
+</p:sld>
+</file>
+
+<file path=ppt/slides/slide11.xml><?xml version="1.0" encoding="utf-8"?>
+<p:sld xmlns:a="http://schemas.openxmlformats.org/drawingml/2006/main" xmlns:r="http://schemas.openxmlformats.org/officeDocument/2006/relationships" xmlns:p="http://schemas.openxmlformats.org/presentationml/2006/main">
+  <p:cSld>
+    <p:spTree>
+      <p:nvGrpSpPr>
+        <p:cNvPr id="1" name=""/>
+        <p:cNvGrpSpPr/>
+        <p:nvPr/>
+      </p:nvGrpSpPr>
+      <p:grpSpPr>
+        <a:xfrm>
+          <a:off x="0" y="0"/>
+          <a:ext cx="0" cy="0"/>
+          <a:chOff x="0" y="0"/>
+          <a:chExt cx="0" cy="0"/>
+        </a:xfrm>
+      </p:grpSpPr>
+      <p:sp>
+        <p:nvSpPr>
+          <p:cNvPr id="2" name="Title 1"/>
+          <p:cNvSpPr>
+            <a:spLocks noGrp="1"/>
+          </p:cNvSpPr>
+          <p:nvPr>
+            <p:ph type="title"/>
+          </p:nvPr>
+        </p:nvSpPr>
+        <p:spPr/>
+        <p:txBody>
+          <a:bodyPr/>
+          <a:lstStyle/>
+          <a:p>
+            <a:r>
+              <a:rPr lang="en-US" dirty="0" smtClean="0"/>
               <a:t>Thank you!</a:t>
             </a:r>
             <a:endParaRPr lang="en-US" dirty="0"/>
@@ -11872,6 +12113,35 @@
           <a:chExt cx="0" cy="0"/>
         </a:xfrm>
       </p:grpSpPr>
+      <p:pic>
+        <p:nvPicPr>
+          <p:cNvPr id="2" name="Picture 1" descr="bg.jpg"/>
+          <p:cNvPicPr>
+            <a:picLocks noChangeAspect="1"/>
+          </p:cNvPicPr>
+          <p:nvPr/>
+        </p:nvPicPr>
+        <p:blipFill rotWithShape="1">
+          <a:blip r:embed="rId2" cstate="print">
+            <a:extLst>
+              <a:ext uri="{28A0092B-C50C-407E-A947-70E740481C1C}">
+                <a14:useLocalDpi xmlns:a14="http://schemas.microsoft.com/office/drawing/2010/main" val="0"/>
+              </a:ext>
+            </a:extLst>
+          </a:blip>
+          <a:srcRect l="13719" r="22783"/>
+          <a:stretch/>
+        </p:blipFill>
+        <p:spPr>
+          <a:xfrm>
+            <a:off x="-147662" y="-76399"/>
+            <a:ext cx="9291662" cy="6934400"/>
+          </a:xfrm>
+          <a:prstGeom prst="rect">
+            <a:avLst/>
+          </a:prstGeom>
+        </p:spPr>
+      </p:pic>
       <p:sp>
         <p:nvSpPr>
           <p:cNvPr id="3" name="Title 2"/>
@@ -11890,15 +12160,27 @@
           <a:lstStyle/>
           <a:p>
             <a:r>
-              <a:rPr lang="en-US" dirty="0" smtClean="0">
-                <a:latin typeface="Arial"/>
-                <a:cs typeface="Arial"/>
+              <a:rPr lang="en-US" sz="5400" b="1" dirty="0" smtClean="0">
+                <a:solidFill>
+                  <a:schemeClr val="tx1">
+                    <a:lumMod val="85000"/>
+                    <a:lumOff val="15000"/>
+                  </a:schemeClr>
+                </a:solidFill>
+                <a:latin typeface="Courier New"/>
+                <a:cs typeface="Courier New"/>
               </a:rPr>
               <a:t>Motivation</a:t>
             </a:r>
-            <a:endParaRPr lang="en-US" dirty="0">
-              <a:latin typeface="Arial"/>
-              <a:cs typeface="Arial"/>
+            <a:endParaRPr lang="en-US" sz="5400" b="1" dirty="0">
+              <a:solidFill>
+                <a:schemeClr val="tx1">
+                  <a:lumMod val="85000"/>
+                  <a:lumOff val="15000"/>
+                </a:schemeClr>
+              </a:solidFill>
+              <a:latin typeface="Courier New"/>
+              <a:cs typeface="Courier New"/>
             </a:endParaRPr>
           </a:p>
         </p:txBody>
@@ -11938,7 +12220,21 @@
                 <a:latin typeface="Arial"/>
                 <a:cs typeface="Arial"/>
               </a:rPr>
-              <a:t>the Quality Content on Twitter </a:t>
+              <a:t>the </a:t>
+            </a:r>
+            <a:r>
+              <a:rPr lang="en-US" sz="3200" b="1" dirty="0">
+                <a:latin typeface="Arial"/>
+                <a:cs typeface="Arial"/>
+              </a:rPr>
+              <a:t>Quality Content</a:t>
+            </a:r>
+            <a:r>
+              <a:rPr lang="en-US" sz="3200" dirty="0">
+                <a:latin typeface="Arial"/>
+                <a:cs typeface="Arial"/>
+              </a:rPr>
+              <a:t> on Twitter </a:t>
             </a:r>
             <a:endParaRPr lang="en-US" sz="3200" dirty="0" smtClean="0">
               <a:latin typeface="Arial"/>
@@ -12027,8 +12323,8 @@
         </p:nvSpPr>
         <p:spPr>
           <a:xfrm>
-            <a:off x="2569284" y="1703860"/>
-            <a:ext cx="6117515" cy="1648327"/>
+            <a:off x="2467186" y="1978944"/>
+            <a:ext cx="6060927" cy="1373243"/>
           </a:xfrm>
         </p:spPr>
         <p:txBody>
@@ -12042,25 +12338,25 @@
               <a:buAutoNum type="arabicPeriod"/>
             </a:pPr>
             <a:r>
-              <a:rPr lang="en-US" sz="2800" dirty="0" smtClean="0">
+              <a:rPr lang="en-US" sz="2400" dirty="0" smtClean="0">
                 <a:latin typeface="Arial"/>
                 <a:cs typeface="Arial"/>
               </a:rPr>
-              <a:t>Non-content </a:t>
+              <a:t>Non-content e</a:t>
             </a:r>
             <a:r>
-              <a:rPr lang="en-US" sz="2800" dirty="0" smtClean="0">
+              <a:rPr lang="en-US" sz="2400" dirty="0" smtClean="0">
                 <a:latin typeface="Arial"/>
                 <a:cs typeface="Arial"/>
               </a:rPr>
-              <a:t>occurs </a:t>
+              <a:t>.g.</a:t>
             </a:r>
             <a:r>
-              <a:rPr lang="en-US" sz="2800" dirty="0" smtClean="0">
+              <a:rPr lang="en-US" sz="2400" dirty="0" smtClean="0">
                 <a:latin typeface="Arial"/>
                 <a:cs typeface="Arial"/>
               </a:rPr>
-              <a:t>Twitter</a:t>
+              <a:t> conversations and self-promotion</a:t>
             </a:r>
           </a:p>
           <a:p>
@@ -12069,25 +12365,11 @@
               <a:buAutoNum type="arabicPeriod"/>
             </a:pPr>
             <a:r>
-              <a:rPr lang="en-US" sz="2800" dirty="0" smtClean="0">
+              <a:rPr lang="en-US" sz="2400" dirty="0" smtClean="0">
                 <a:latin typeface="Arial"/>
                 <a:cs typeface="Arial"/>
               </a:rPr>
-              <a:t>Amount of tweets: 500 </a:t>
-            </a:r>
-            <a:r>
-              <a:rPr lang="en-US" sz="2800" dirty="0">
-                <a:latin typeface="Arial"/>
-                <a:cs typeface="Arial"/>
-              </a:rPr>
-              <a:t>m</a:t>
-            </a:r>
-            <a:r>
-              <a:rPr lang="en-US" sz="2800" dirty="0" smtClean="0">
-                <a:latin typeface="Arial"/>
-                <a:cs typeface="Arial"/>
-              </a:rPr>
-              <a:t>illion / day</a:t>
+              <a:t>Amount of tweets: 500 million / day</a:t>
             </a:r>
           </a:p>
           <a:p>
@@ -12402,7 +12684,9 @@
             </a:lvl9pPr>
           </a:lstStyle>
           <a:p>
-            <a:pPr algn="ctr"/>
+            <a:pPr marL="0" indent="0" algn="ctr">
+              <a:buNone/>
+            </a:pPr>
             <a:r>
               <a:rPr lang="en-US" sz="2800" dirty="0" smtClean="0">
                 <a:latin typeface="Arial"/>
@@ -12575,7 +12859,7 @@
         <p:spPr>
           <a:xfrm>
             <a:off x="677334" y="4859867"/>
-            <a:ext cx="1456266" cy="923330"/>
+            <a:ext cx="1456266" cy="646331"/>
           </a:xfrm>
           <a:prstGeom prst="rect">
             <a:avLst/>
@@ -12588,9 +12872,14 @@
           </a:bodyPr>
           <a:lstStyle/>
           <a:p>
+            <a:pPr algn="ctr"/>
             <a:r>
               <a:rPr lang="en-US" dirty="0" smtClean="0"/>
-              <a:t>Recommends People to Follow</a:t>
+              <a:t>Recommends </a:t>
+            </a:r>
+            <a:r>
+              <a:rPr lang="en-US" b="1" dirty="0" smtClean="0"/>
+              <a:t>People</a:t>
             </a:r>
             <a:endParaRPr lang="en-US" dirty="0"/>
           </a:p>
@@ -13684,201 +13973,125 @@
           </a:p>
         </p:txBody>
       </p:sp>
-      <p:sp>
-        <p:nvSpPr>
-          <p:cNvPr id="3" name="Content Placeholder 2"/>
-          <p:cNvSpPr>
-            <a:spLocks noGrp="1"/>
-          </p:cNvSpPr>
-          <p:nvPr>
-            <p:ph idx="1"/>
-          </p:nvPr>
-        </p:nvSpPr>
+      <p:pic>
+        <p:nvPicPr>
+          <p:cNvPr id="5" name="Picture 4" descr="christopher_e_moody___chrisemoody____Twitter.png"/>
+          <p:cNvPicPr>
+            <a:picLocks noChangeAspect="1"/>
+          </p:cNvPicPr>
+          <p:nvPr/>
+        </p:nvPicPr>
+        <p:blipFill rotWithShape="1">
+          <a:blip r:embed="rId2">
+            <a:extLst>
+              <a:ext uri="{28A0092B-C50C-407E-A947-70E740481C1C}">
+                <a14:useLocalDpi xmlns:a14="http://schemas.microsoft.com/office/drawing/2010/main" val="0"/>
+              </a:ext>
+            </a:extLst>
+          </a:blip>
+          <a:srcRect b="7941"/>
+          <a:stretch/>
+        </p:blipFill>
         <p:spPr>
           <a:xfrm>
-            <a:off x="457200" y="1600200"/>
-            <a:ext cx="8229600" cy="2040467"/>
-          </a:xfrm>
-        </p:spPr>
-        <p:txBody>
-          <a:bodyPr/>
-          <a:lstStyle/>
-          <a:p>
-            <a:r>
-              <a:rPr lang="en-US" dirty="0" smtClean="0"/>
-              <a:t>Example 1</a:t>
-            </a:r>
-            <a:endParaRPr lang="en-US" dirty="0"/>
-          </a:p>
-        </p:txBody>
-      </p:sp>
-      <p:sp>
-        <p:nvSpPr>
-          <p:cNvPr id="4" name="Content Placeholder 2"/>
-          <p:cNvSpPr txBox="1">
-            <a:spLocks/>
-          </p:cNvSpPr>
-          <p:nvPr/>
-        </p:nvSpPr>
-        <p:spPr>
-          <a:xfrm>
-            <a:off x="457200" y="4140200"/>
-            <a:ext cx="8229600" cy="2040467"/>
+            <a:off x="620182" y="1417638"/>
+            <a:ext cx="3041848" cy="4637339"/>
           </a:xfrm>
           <a:prstGeom prst="rect">
             <a:avLst/>
           </a:prstGeom>
         </p:spPr>
-        <p:txBody>
-          <a:bodyPr vert="horz" lIns="91440" tIns="45720" rIns="91440" bIns="45720" rtlCol="0">
-            <a:normAutofit/>
-          </a:bodyPr>
-          <a:lstStyle>
-            <a:lvl1pPr marL="342900" indent="-342900" algn="l" defTabSz="457200" rtl="0" eaLnBrk="1" latinLnBrk="0" hangingPunct="1">
-              <a:spcBef>
-                <a:spcPct val="20000"/>
-              </a:spcBef>
-              <a:buFont typeface="Arial"/>
-              <a:buChar char="•"/>
-              <a:defRPr sz="3200" kern="1200">
-                <a:solidFill>
-                  <a:schemeClr val="tx1"/>
-                </a:solidFill>
-                <a:latin typeface="+mn-lt"/>
-                <a:ea typeface="+mn-ea"/>
-                <a:cs typeface="+mn-cs"/>
-              </a:defRPr>
-            </a:lvl1pPr>
-            <a:lvl2pPr marL="742950" indent="-285750" algn="l" defTabSz="457200" rtl="0" eaLnBrk="1" latinLnBrk="0" hangingPunct="1">
-              <a:spcBef>
-                <a:spcPct val="20000"/>
-              </a:spcBef>
-              <a:buFont typeface="Arial"/>
-              <a:buChar char="–"/>
-              <a:defRPr sz="2800" kern="1200">
-                <a:solidFill>
-                  <a:schemeClr val="tx1"/>
-                </a:solidFill>
-                <a:latin typeface="+mn-lt"/>
-                <a:ea typeface="+mn-ea"/>
-                <a:cs typeface="+mn-cs"/>
-              </a:defRPr>
-            </a:lvl2pPr>
-            <a:lvl3pPr marL="1143000" indent="-228600" algn="l" defTabSz="457200" rtl="0" eaLnBrk="1" latinLnBrk="0" hangingPunct="1">
-              <a:spcBef>
-                <a:spcPct val="20000"/>
-              </a:spcBef>
-              <a:buFont typeface="Arial"/>
-              <a:buChar char="•"/>
-              <a:defRPr sz="2400" kern="1200">
-                <a:solidFill>
-                  <a:schemeClr val="tx1"/>
-                </a:solidFill>
-                <a:latin typeface="+mn-lt"/>
-                <a:ea typeface="+mn-ea"/>
-                <a:cs typeface="+mn-cs"/>
-              </a:defRPr>
-            </a:lvl3pPr>
-            <a:lvl4pPr marL="1600200" indent="-228600" algn="l" defTabSz="457200" rtl="0" eaLnBrk="1" latinLnBrk="0" hangingPunct="1">
-              <a:spcBef>
-                <a:spcPct val="20000"/>
-              </a:spcBef>
-              <a:buFont typeface="Arial"/>
-              <a:buChar char="–"/>
-              <a:defRPr sz="2000" kern="1200">
-                <a:solidFill>
-                  <a:schemeClr val="tx1"/>
-                </a:solidFill>
-                <a:latin typeface="+mn-lt"/>
-                <a:ea typeface="+mn-ea"/>
-                <a:cs typeface="+mn-cs"/>
-              </a:defRPr>
-            </a:lvl4pPr>
-            <a:lvl5pPr marL="2057400" indent="-228600" algn="l" defTabSz="457200" rtl="0" eaLnBrk="1" latinLnBrk="0" hangingPunct="1">
-              <a:spcBef>
-                <a:spcPct val="20000"/>
-              </a:spcBef>
-              <a:buFont typeface="Arial"/>
-              <a:buChar char="»"/>
-              <a:defRPr sz="2000" kern="1200">
-                <a:solidFill>
-                  <a:schemeClr val="tx1"/>
-                </a:solidFill>
-                <a:latin typeface="+mn-lt"/>
-                <a:ea typeface="+mn-ea"/>
-                <a:cs typeface="+mn-cs"/>
-              </a:defRPr>
-            </a:lvl5pPr>
-            <a:lvl6pPr marL="2514600" indent="-228600" algn="l" defTabSz="457200" rtl="0" eaLnBrk="1" latinLnBrk="0" hangingPunct="1">
-              <a:spcBef>
-                <a:spcPct val="20000"/>
-              </a:spcBef>
-              <a:buFont typeface="Arial"/>
-              <a:buChar char="•"/>
-              <a:defRPr sz="2000" kern="1200">
-                <a:solidFill>
-                  <a:schemeClr val="tx1"/>
-                </a:solidFill>
-                <a:latin typeface="+mn-lt"/>
-                <a:ea typeface="+mn-ea"/>
-                <a:cs typeface="+mn-cs"/>
-              </a:defRPr>
-            </a:lvl6pPr>
-            <a:lvl7pPr marL="2971800" indent="-228600" algn="l" defTabSz="457200" rtl="0" eaLnBrk="1" latinLnBrk="0" hangingPunct="1">
-              <a:spcBef>
-                <a:spcPct val="20000"/>
-              </a:spcBef>
-              <a:buFont typeface="Arial"/>
-              <a:buChar char="•"/>
-              <a:defRPr sz="2000" kern="1200">
-                <a:solidFill>
-                  <a:schemeClr val="tx1"/>
-                </a:solidFill>
-                <a:latin typeface="+mn-lt"/>
-                <a:ea typeface="+mn-ea"/>
-                <a:cs typeface="+mn-cs"/>
-              </a:defRPr>
-            </a:lvl7pPr>
-            <a:lvl8pPr marL="3429000" indent="-228600" algn="l" defTabSz="457200" rtl="0" eaLnBrk="1" latinLnBrk="0" hangingPunct="1">
-              <a:spcBef>
-                <a:spcPct val="20000"/>
-              </a:spcBef>
-              <a:buFont typeface="Arial"/>
-              <a:buChar char="•"/>
-              <a:defRPr sz="2000" kern="1200">
-                <a:solidFill>
-                  <a:schemeClr val="tx1"/>
-                </a:solidFill>
-                <a:latin typeface="+mn-lt"/>
-                <a:ea typeface="+mn-ea"/>
-                <a:cs typeface="+mn-cs"/>
-              </a:defRPr>
-            </a:lvl8pPr>
-            <a:lvl9pPr marL="3886200" indent="-228600" algn="l" defTabSz="457200" rtl="0" eaLnBrk="1" latinLnBrk="0" hangingPunct="1">
-              <a:spcBef>
-                <a:spcPct val="20000"/>
-              </a:spcBef>
-              <a:buFont typeface="Arial"/>
-              <a:buChar char="•"/>
-              <a:defRPr sz="2000" kern="1200">
-                <a:solidFill>
-                  <a:schemeClr val="tx1"/>
-                </a:solidFill>
-                <a:latin typeface="+mn-lt"/>
-                <a:ea typeface="+mn-ea"/>
-                <a:cs typeface="+mn-cs"/>
-              </a:defRPr>
-            </a:lvl9pPr>
-          </a:lstStyle>
-          <a:p>
-            <a:r>
-              <a:rPr lang="en-US" dirty="0" smtClean="0"/>
-              <a:t>Example 2</a:t>
-            </a:r>
-            <a:endParaRPr lang="en-US" dirty="0"/>
-          </a:p>
-        </p:txBody>
-      </p:sp>
+      </p:pic>
+      <p:pic>
+        <p:nvPicPr>
+          <p:cNvPr id="6" name="Picture 5" descr="Gene_Kogan___genekogan____Twitter.png"/>
+          <p:cNvPicPr>
+            <a:picLocks noChangeAspect="1"/>
+          </p:cNvPicPr>
+          <p:nvPr/>
+        </p:nvPicPr>
+        <p:blipFill>
+          <a:blip r:embed="rId3">
+            <a:extLst>
+              <a:ext uri="{28A0092B-C50C-407E-A947-70E740481C1C}">
+                <a14:useLocalDpi xmlns:a14="http://schemas.microsoft.com/office/drawing/2010/main" val="0"/>
+              </a:ext>
+            </a:extLst>
+          </a:blip>
+          <a:stretch>
+            <a:fillRect/>
+          </a:stretch>
+        </p:blipFill>
+        <p:spPr>
+          <a:xfrm>
+            <a:off x="4269713" y="2063968"/>
+            <a:ext cx="4189615" cy="3209954"/>
+          </a:xfrm>
+          <a:prstGeom prst="rect">
+            <a:avLst/>
+          </a:prstGeom>
+        </p:spPr>
+      </p:pic>
+      <p:pic>
+        <p:nvPicPr>
+          <p:cNvPr id="7" name="Picture 6" descr="samim___samim____Twitter.png"/>
+          <p:cNvPicPr>
+            <a:picLocks noChangeAspect="1"/>
+          </p:cNvPicPr>
+          <p:nvPr/>
+        </p:nvPicPr>
+        <p:blipFill>
+          <a:blip r:embed="rId4">
+            <a:extLst>
+              <a:ext uri="{28A0092B-C50C-407E-A947-70E740481C1C}">
+                <a14:useLocalDpi xmlns:a14="http://schemas.microsoft.com/office/drawing/2010/main" val="0"/>
+              </a:ext>
+            </a:extLst>
+          </a:blip>
+          <a:stretch>
+            <a:fillRect/>
+          </a:stretch>
+        </p:blipFill>
+        <p:spPr>
+          <a:xfrm>
+            <a:off x="4336060" y="5273922"/>
+            <a:ext cx="4315281" cy="1293836"/>
+          </a:xfrm>
+          <a:prstGeom prst="rect">
+            <a:avLst/>
+          </a:prstGeom>
+        </p:spPr>
+      </p:pic>
+      <p:pic>
+        <p:nvPicPr>
+          <p:cNvPr id="9" name="Picture 8" descr="Chris_Dixon___cdixon____Twitter.png"/>
+          <p:cNvPicPr>
+            <a:picLocks noChangeAspect="1"/>
+          </p:cNvPicPr>
+          <p:nvPr/>
+        </p:nvPicPr>
+        <p:blipFill>
+          <a:blip r:embed="rId5">
+            <a:extLst>
+              <a:ext uri="{28A0092B-C50C-407E-A947-70E740481C1C}">
+                <a14:useLocalDpi xmlns:a14="http://schemas.microsoft.com/office/drawing/2010/main" val="0"/>
+              </a:ext>
+            </a:extLst>
+          </a:blip>
+          <a:stretch>
+            <a:fillRect/>
+          </a:stretch>
+        </p:blipFill>
+        <p:spPr>
+          <a:xfrm>
+            <a:off x="4269713" y="1303911"/>
+            <a:ext cx="4646815" cy="667235"/>
+          </a:xfrm>
+          <a:prstGeom prst="rect">
+            <a:avLst/>
+          </a:prstGeom>
+        </p:spPr>
+      </p:pic>
     </p:spTree>
     <p:extLst>
       <p:ext uri="{BB962C8B-B14F-4D97-AF65-F5344CB8AC3E}">
@@ -13933,196 +14146,163 @@
           <a:p>
             <a:r>
               <a:rPr lang="en-US" dirty="0" smtClean="0"/>
-              <a:t>Further Work</a:t>
+              <a:t>Validating Results</a:t>
             </a:r>
             <a:endParaRPr lang="en-US" dirty="0"/>
           </a:p>
         </p:txBody>
       </p:sp>
-      <p:graphicFrame>
-        <p:nvGraphicFramePr>
-          <p:cNvPr id="4" name="Content Placeholder 3"/>
-          <p:cNvGraphicFramePr>
-            <a:graphicFrameLocks noGrp="1"/>
-          </p:cNvGraphicFramePr>
-          <p:nvPr>
-            <p:ph idx="1"/>
-            <p:extLst>
-              <p:ext uri="{D42A27DB-BD31-4B8C-83A1-F6EECF244321}">
-                <p14:modId xmlns:p14="http://schemas.microsoft.com/office/powerpoint/2010/main" val="224442876"/>
-              </p:ext>
-            </p:extLst>
-          </p:nvPr>
-        </p:nvGraphicFramePr>
-        <p:xfrm>
-          <a:off x="474133" y="1464736"/>
-          <a:ext cx="8229600" cy="4109644"/>
-        </p:xfrm>
-        <a:graphic>
-          <a:graphicData uri="http://schemas.openxmlformats.org/drawingml/2006/table">
-            <a:tbl>
-              <a:tblPr firstRow="1" bandRow="1">
-                <a:tableStyleId>{BC89EF96-8CEA-46FF-86C4-4CE0E7609802}</a:tableStyleId>
-              </a:tblPr>
-              <a:tblGrid>
-                <a:gridCol w="8229600"/>
-              </a:tblGrid>
-              <a:tr h="431800">
-                <a:tc>
-                  <a:txBody>
-                    <a:bodyPr/>
-                    <a:lstStyle/>
-                    <a:p>
-                      <a:r>
-                        <a:rPr lang="en-US" sz="3200" dirty="0" smtClean="0"/>
-                        <a:t>User Testing</a:t>
-                      </a:r>
-                      <a:endParaRPr lang="en-US" sz="3200" dirty="0"/>
-                    </a:p>
-                  </a:txBody>
-                  <a:tcPr/>
-                </a:tc>
-              </a:tr>
-              <a:tr h="629195">
-                <a:tc>
-                  <a:txBody>
-                    <a:bodyPr/>
-                    <a:lstStyle/>
-                    <a:p>
-                      <a:pPr marL="457200" indent="-457200">
-                        <a:buFont typeface="Arial"/>
-                        <a:buChar char="•"/>
-                      </a:pPr>
-                      <a:r>
-                        <a:rPr lang="en-US" sz="2800" dirty="0" smtClean="0"/>
-                        <a:t>Feedback</a:t>
-                      </a:r>
-                      <a:r>
-                        <a:rPr lang="en-US" sz="2800" baseline="0" dirty="0" smtClean="0"/>
-                        <a:t> and A/B </a:t>
-                      </a:r>
-                      <a:r>
-                        <a:rPr lang="en-US" sz="2800" baseline="0" dirty="0" smtClean="0"/>
-                        <a:t>Testing</a:t>
-                      </a:r>
-                      <a:endParaRPr lang="en-US" sz="2800" dirty="0" smtClean="0"/>
-                    </a:p>
-                  </a:txBody>
-                  <a:tcPr/>
-                </a:tc>
-              </a:tr>
-              <a:tr h="431800">
-                <a:tc>
-                  <a:txBody>
-                    <a:bodyPr/>
-                    <a:lstStyle/>
-                    <a:p>
-                      <a:r>
-                        <a:rPr lang="en-US" sz="3200" b="1" dirty="0" smtClean="0"/>
-                        <a:t>Refining</a:t>
-                      </a:r>
-                      <a:r>
-                        <a:rPr lang="en-US" sz="3200" b="1" baseline="0" dirty="0" smtClean="0"/>
-                        <a:t> the Model</a:t>
-                      </a:r>
-                      <a:endParaRPr lang="en-US" sz="3200" b="1" dirty="0"/>
-                    </a:p>
-                  </a:txBody>
-                  <a:tcPr/>
-                </a:tc>
-              </a:tr>
-              <a:tr h="554369">
-                <a:tc>
-                  <a:txBody>
-                    <a:bodyPr/>
-                    <a:lstStyle/>
-                    <a:p>
-                      <a:pPr marL="285750" indent="-285750">
-                        <a:buFont typeface="Arial"/>
-                        <a:buChar char="•"/>
-                      </a:pPr>
-                      <a:r>
-                        <a:rPr lang="en-US" sz="2400" dirty="0" smtClean="0"/>
-                        <a:t>“Page</a:t>
-                      </a:r>
-                      <a:r>
-                        <a:rPr lang="en-US" sz="2400" baseline="0" dirty="0" smtClean="0"/>
-                        <a:t>Rank” for </a:t>
-                      </a:r>
-                      <a:r>
-                        <a:rPr lang="en-US" sz="2400" baseline="0" dirty="0" err="1" smtClean="0"/>
-                        <a:t>Retweets</a:t>
-                      </a:r>
-                      <a:endParaRPr lang="en-US" sz="2400" baseline="0" dirty="0" smtClean="0"/>
-                    </a:p>
-                  </a:txBody>
-                  <a:tcPr/>
-                </a:tc>
-              </a:tr>
-              <a:tr h="484717">
-                <a:tc>
-                  <a:txBody>
-                    <a:bodyPr/>
-                    <a:lstStyle/>
-                    <a:p>
-                      <a:r>
-                        <a:rPr lang="en-US" sz="3200" b="1" dirty="0" smtClean="0"/>
-                        <a:t>Broader Applications</a:t>
-                      </a:r>
-                      <a:endParaRPr lang="en-US" sz="3200" b="1" dirty="0"/>
-                    </a:p>
-                  </a:txBody>
-                  <a:tcPr/>
-                </a:tc>
-              </a:tr>
-              <a:tr h="1073150">
-                <a:tc>
-                  <a:txBody>
-                    <a:bodyPr/>
-                    <a:lstStyle/>
-                    <a:p>
-                      <a:pPr marL="342900" indent="-342900">
-                        <a:buFont typeface="Arial"/>
-                        <a:buChar char="•"/>
-                      </a:pPr>
-                      <a:r>
-                        <a:rPr lang="en-US" sz="2400" dirty="0" smtClean="0"/>
-                        <a:t>News</a:t>
-                      </a:r>
-                    </a:p>
-                    <a:p>
-                      <a:pPr marL="342900" indent="-342900">
-                        <a:buFont typeface="Arial"/>
-                        <a:buChar char="•"/>
-                      </a:pPr>
-                      <a:r>
-                        <a:rPr lang="en-US" sz="2400" baseline="0" dirty="0" smtClean="0"/>
-                        <a:t>Music</a:t>
-                      </a:r>
-                    </a:p>
-                    <a:p>
-                      <a:pPr marL="342900" indent="-342900">
-                        <a:buFont typeface="Arial"/>
-                        <a:buChar char="•"/>
-                      </a:pPr>
-                      <a:r>
-                        <a:rPr lang="en-US" sz="2400" baseline="0" dirty="0" smtClean="0"/>
-                        <a:t>TV Shows</a:t>
-                      </a:r>
-                      <a:endParaRPr lang="en-US" sz="2400" baseline="0" dirty="0" smtClean="0"/>
-                    </a:p>
-                  </a:txBody>
-                  <a:tcPr/>
-                </a:tc>
-              </a:tr>
-            </a:tbl>
-          </a:graphicData>
-        </a:graphic>
-      </p:graphicFrame>
+      <p:pic>
+        <p:nvPicPr>
+          <p:cNvPr id="4" name="Picture 3" descr="People_followed_by_Dr__Dre___drdre____Twitter.png"/>
+          <p:cNvPicPr>
+            <a:picLocks noChangeAspect="1"/>
+          </p:cNvPicPr>
+          <p:nvPr/>
+        </p:nvPicPr>
+        <p:blipFill>
+          <a:blip r:embed="rId2">
+            <a:extLst>
+              <a:ext uri="{28A0092B-C50C-407E-A947-70E740481C1C}">
+                <a14:useLocalDpi xmlns:a14="http://schemas.microsoft.com/office/drawing/2010/main" val="0"/>
+              </a:ext>
+            </a:extLst>
+          </a:blip>
+          <a:stretch>
+            <a:fillRect/>
+          </a:stretch>
+        </p:blipFill>
+        <p:spPr>
+          <a:xfrm>
+            <a:off x="1032897" y="2828930"/>
+            <a:ext cx="1736013" cy="2209471"/>
+          </a:xfrm>
+          <a:prstGeom prst="rect">
+            <a:avLst/>
+          </a:prstGeom>
+        </p:spPr>
+      </p:pic>
+      <p:pic>
+        <p:nvPicPr>
+          <p:cNvPr id="10" name="Picture 9" descr="Beats_1___Beats1____Twitter.png"/>
+          <p:cNvPicPr>
+            <a:picLocks noChangeAspect="1"/>
+          </p:cNvPicPr>
+          <p:nvPr/>
+        </p:nvPicPr>
+        <p:blipFill>
+          <a:blip r:embed="rId3">
+            <a:extLst>
+              <a:ext uri="{28A0092B-C50C-407E-A947-70E740481C1C}">
+                <a14:useLocalDpi xmlns:a14="http://schemas.microsoft.com/office/drawing/2010/main" val="0"/>
+              </a:ext>
+            </a:extLst>
+          </a:blip>
+          <a:stretch>
+            <a:fillRect/>
+          </a:stretch>
+        </p:blipFill>
+        <p:spPr>
+          <a:xfrm>
+            <a:off x="4120683" y="1376952"/>
+            <a:ext cx="1623046" cy="2418964"/>
+          </a:xfrm>
+          <a:prstGeom prst="rect">
+            <a:avLst/>
+          </a:prstGeom>
+        </p:spPr>
+      </p:pic>
+      <p:pic>
+        <p:nvPicPr>
+          <p:cNvPr id="11" name="Picture 10" descr="Detroit_Pistons___DetroitPistons____Twitter.png"/>
+          <p:cNvPicPr>
+            <a:picLocks noChangeAspect="1"/>
+          </p:cNvPicPr>
+          <p:nvPr/>
+        </p:nvPicPr>
+        <p:blipFill rotWithShape="1">
+          <a:blip r:embed="rId4">
+            <a:extLst>
+              <a:ext uri="{28A0092B-C50C-407E-A947-70E740481C1C}">
+                <a14:useLocalDpi xmlns:a14="http://schemas.microsoft.com/office/drawing/2010/main" val="0"/>
+              </a:ext>
+            </a:extLst>
+          </a:blip>
+          <a:srcRect b="13384"/>
+          <a:stretch/>
+        </p:blipFill>
+        <p:spPr>
+          <a:xfrm>
+            <a:off x="6295230" y="1362409"/>
+            <a:ext cx="1505247" cy="2424030"/>
+          </a:xfrm>
+          <a:prstGeom prst="rect">
+            <a:avLst/>
+          </a:prstGeom>
+        </p:spPr>
+      </p:pic>
+      <p:pic>
+        <p:nvPicPr>
+          <p:cNvPr id="12" name="Picture 11" descr="PEACE_IS_THE_MISSION___MAJORLAZER____Twitter.png"/>
+          <p:cNvPicPr>
+            <a:picLocks noChangeAspect="1"/>
+          </p:cNvPicPr>
+          <p:nvPr/>
+        </p:nvPicPr>
+        <p:blipFill rotWithShape="1">
+          <a:blip r:embed="rId5">
+            <a:extLst>
+              <a:ext uri="{28A0092B-C50C-407E-A947-70E740481C1C}">
+                <a14:useLocalDpi xmlns:a14="http://schemas.microsoft.com/office/drawing/2010/main" val="0"/>
+              </a:ext>
+            </a:extLst>
+          </a:blip>
+          <a:srcRect l="720" t="2127" r="-720" b="13232"/>
+          <a:stretch/>
+        </p:blipFill>
+        <p:spPr>
+          <a:xfrm>
+            <a:off x="4126756" y="3933666"/>
+            <a:ext cx="1616973" cy="2697401"/>
+          </a:xfrm>
+          <a:prstGeom prst="rect">
+            <a:avLst/>
+          </a:prstGeom>
+        </p:spPr>
+      </p:pic>
+      <p:pic>
+        <p:nvPicPr>
+          <p:cNvPr id="13" name="Picture 12" descr="Grizfolk___grizfolk____Twitter.png"/>
+          <p:cNvPicPr>
+            <a:picLocks noChangeAspect="1"/>
+          </p:cNvPicPr>
+          <p:nvPr/>
+        </p:nvPicPr>
+        <p:blipFill rotWithShape="1">
+          <a:blip r:embed="rId6">
+            <a:extLst>
+              <a:ext uri="{28A0092B-C50C-407E-A947-70E740481C1C}">
+                <a14:useLocalDpi xmlns:a14="http://schemas.microsoft.com/office/drawing/2010/main" val="0"/>
+              </a:ext>
+            </a:extLst>
+          </a:blip>
+          <a:srcRect r="25172"/>
+          <a:stretch/>
+        </p:blipFill>
+        <p:spPr>
+          <a:xfrm>
+            <a:off x="6295230" y="3933666"/>
+            <a:ext cx="1505247" cy="2441585"/>
+          </a:xfrm>
+          <a:prstGeom prst="rect">
+            <a:avLst/>
+          </a:prstGeom>
+        </p:spPr>
+      </p:pic>
     </p:spTree>
     <p:extLst>
       <p:ext uri="{BB962C8B-B14F-4D97-AF65-F5344CB8AC3E}">
-        <p14:creationId xmlns:p14="http://schemas.microsoft.com/office/powerpoint/2010/main" val="3838492080"/>
+        <p14:creationId xmlns:p14="http://schemas.microsoft.com/office/powerpoint/2010/main" val="4012060867"/>
       </p:ext>
     </p:extLst>
   </p:cSld>
